--- a/Assignments/Gradebook App PowerPont/Courtney Linville/Gradebook.pptx
+++ b/Assignments/Gradebook App PowerPont/Courtney Linville/Gradebook.pptx
@@ -4,11 +4,18 @@
   <p:sldMasterIdLst>
     <p:sldMasterId id="2147483648" r:id="rId1"/>
   </p:sldMasterIdLst>
+  <p:notesMasterIdLst>
+    <p:notesMasterId r:id="rId10"/>
+  </p:notesMasterIdLst>
   <p:sldIdLst>
-    <p:sldId id="260" r:id="rId2"/>
-    <p:sldId id="256" r:id="rId3"/>
-    <p:sldId id="258" r:id="rId4"/>
-    <p:sldId id="259" r:id="rId5"/>
+    <p:sldId id="261" r:id="rId2"/>
+    <p:sldId id="262" r:id="rId3"/>
+    <p:sldId id="263" r:id="rId4"/>
+    <p:sldId id="256" r:id="rId5"/>
+    <p:sldId id="264" r:id="rId6"/>
+    <p:sldId id="258" r:id="rId7"/>
+    <p:sldId id="265" r:id="rId8"/>
+    <p:sldId id="259" r:id="rId9"/>
   </p:sldIdLst>
   <p:sldSz cx="12192000" cy="6858000"/>
   <p:notesSz cx="6858000" cy="9144000"/>
@@ -107,7 +114,446 @@
       </a:defRPr>
     </a:lvl9pPr>
   </p:defaultTextStyle>
+  <p:extLst>
+    <p:ext uri="{EFAFB233-063F-42B5-8137-9DF3F51BA10A}">
+      <p15:sldGuideLst xmlns:p15="http://schemas.microsoft.com/office/powerpoint/2012/main"/>
+    </p:ext>
+  </p:extLst>
 </p:presentation>
+</file>
+
+<file path=ppt/notesMasters/notesMaster1.xml><?xml version="1.0" encoding="utf-8"?>
+<p:notesMaster xmlns:a="http://schemas.openxmlformats.org/drawingml/2006/main" xmlns:r="http://schemas.openxmlformats.org/officeDocument/2006/relationships" xmlns:p="http://schemas.openxmlformats.org/presentationml/2006/main">
+  <p:cSld>
+    <p:bg>
+      <p:bgRef idx="1001">
+        <a:schemeClr val="bg1"/>
+      </p:bgRef>
+    </p:bg>
+    <p:spTree>
+      <p:nvGrpSpPr>
+        <p:cNvPr id="1" name=""/>
+        <p:cNvGrpSpPr/>
+        <p:nvPr/>
+      </p:nvGrpSpPr>
+      <p:grpSpPr>
+        <a:xfrm>
+          <a:off x="0" y="0"/>
+          <a:ext cx="0" cy="0"/>
+          <a:chOff x="0" y="0"/>
+          <a:chExt cx="0" cy="0"/>
+        </a:xfrm>
+      </p:grpSpPr>
+      <p:sp>
+        <p:nvSpPr>
+          <p:cNvPr id="2" name="Header Placeholder 1"/>
+          <p:cNvSpPr>
+            <a:spLocks noGrp="1"/>
+          </p:cNvSpPr>
+          <p:nvPr>
+            <p:ph type="hdr" sz="quarter"/>
+          </p:nvPr>
+        </p:nvSpPr>
+        <p:spPr>
+          <a:xfrm>
+            <a:off x="0" y="0"/>
+            <a:ext cx="2971800" cy="458788"/>
+          </a:xfrm>
+          <a:prstGeom prst="rect">
+            <a:avLst/>
+          </a:prstGeom>
+        </p:spPr>
+        <p:txBody>
+          <a:bodyPr vert="horz" lIns="91440" tIns="45720" rIns="91440" bIns="45720" rtlCol="0"/>
+          <a:lstStyle>
+            <a:lvl1pPr algn="l">
+              <a:defRPr sz="1200"/>
+            </a:lvl1pPr>
+          </a:lstStyle>
+          <a:p>
+            <a:endParaRPr lang="en-US"/>
+          </a:p>
+        </p:txBody>
+      </p:sp>
+      <p:sp>
+        <p:nvSpPr>
+          <p:cNvPr id="3" name="Date Placeholder 2"/>
+          <p:cNvSpPr>
+            <a:spLocks noGrp="1"/>
+          </p:cNvSpPr>
+          <p:nvPr>
+            <p:ph type="dt" idx="1"/>
+          </p:nvPr>
+        </p:nvSpPr>
+        <p:spPr>
+          <a:xfrm>
+            <a:off x="3884613" y="0"/>
+            <a:ext cx="2971800" cy="458788"/>
+          </a:xfrm>
+          <a:prstGeom prst="rect">
+            <a:avLst/>
+          </a:prstGeom>
+        </p:spPr>
+        <p:txBody>
+          <a:bodyPr vert="horz" lIns="91440" tIns="45720" rIns="91440" bIns="45720" rtlCol="0"/>
+          <a:lstStyle>
+            <a:lvl1pPr algn="r">
+              <a:defRPr sz="1200"/>
+            </a:lvl1pPr>
+          </a:lstStyle>
+          <a:p>
+            <a:fld id="{C2887B31-D339-4778-A176-277AD6041FB6}" type="datetimeFigureOut">
+              <a:rPr lang="en-US" smtClean="0"/>
+              <a:t>2/26/2015</a:t>
+            </a:fld>
+            <a:endParaRPr lang="en-US"/>
+          </a:p>
+        </p:txBody>
+      </p:sp>
+      <p:sp>
+        <p:nvSpPr>
+          <p:cNvPr id="4" name="Slide Image Placeholder 3"/>
+          <p:cNvSpPr>
+            <a:spLocks noGrp="1" noRot="1" noChangeAspect="1"/>
+          </p:cNvSpPr>
+          <p:nvPr>
+            <p:ph type="sldImg" idx="2"/>
+          </p:nvPr>
+        </p:nvSpPr>
+        <p:spPr>
+          <a:xfrm>
+            <a:off x="685800" y="1143000"/>
+            <a:ext cx="5486400" cy="3086100"/>
+          </a:xfrm>
+          <a:prstGeom prst="rect">
+            <a:avLst/>
+          </a:prstGeom>
+          <a:noFill/>
+          <a:ln w="12700">
+            <a:solidFill>
+              <a:prstClr val="black"/>
+            </a:solidFill>
+          </a:ln>
+        </p:spPr>
+        <p:txBody>
+          <a:bodyPr vert="horz" lIns="91440" tIns="45720" rIns="91440" bIns="45720" rtlCol="0" anchor="ctr"/>
+          <a:lstStyle/>
+          <a:p>
+            <a:endParaRPr lang="en-US"/>
+          </a:p>
+        </p:txBody>
+      </p:sp>
+      <p:sp>
+        <p:nvSpPr>
+          <p:cNvPr id="5" name="Notes Placeholder 4"/>
+          <p:cNvSpPr>
+            <a:spLocks noGrp="1"/>
+          </p:cNvSpPr>
+          <p:nvPr>
+            <p:ph type="body" sz="quarter" idx="3"/>
+          </p:nvPr>
+        </p:nvSpPr>
+        <p:spPr>
+          <a:xfrm>
+            <a:off x="685800" y="4400550"/>
+            <a:ext cx="5486400" cy="3600450"/>
+          </a:xfrm>
+          <a:prstGeom prst="rect">
+            <a:avLst/>
+          </a:prstGeom>
+        </p:spPr>
+        <p:txBody>
+          <a:bodyPr vert="horz" lIns="91440" tIns="45720" rIns="91440" bIns="45720" rtlCol="0"/>
+          <a:lstStyle/>
+          <a:p>
+            <a:pPr lvl="0"/>
+            <a:r>
+              <a:rPr lang="en-US" smtClean="0"/>
+              <a:t>Click to edit Master text styles</a:t>
+            </a:r>
+          </a:p>
+          <a:p>
+            <a:pPr lvl="1"/>
+            <a:r>
+              <a:rPr lang="en-US" smtClean="0"/>
+              <a:t>Second level</a:t>
+            </a:r>
+          </a:p>
+          <a:p>
+            <a:pPr lvl="2"/>
+            <a:r>
+              <a:rPr lang="en-US" smtClean="0"/>
+              <a:t>Third level</a:t>
+            </a:r>
+          </a:p>
+          <a:p>
+            <a:pPr lvl="3"/>
+            <a:r>
+              <a:rPr lang="en-US" smtClean="0"/>
+              <a:t>Fourth level</a:t>
+            </a:r>
+          </a:p>
+          <a:p>
+            <a:pPr lvl="4"/>
+            <a:r>
+              <a:rPr lang="en-US" smtClean="0"/>
+              <a:t>Fifth level</a:t>
+            </a:r>
+            <a:endParaRPr lang="en-US"/>
+          </a:p>
+        </p:txBody>
+      </p:sp>
+      <p:sp>
+        <p:nvSpPr>
+          <p:cNvPr id="6" name="Footer Placeholder 5"/>
+          <p:cNvSpPr>
+            <a:spLocks noGrp="1"/>
+          </p:cNvSpPr>
+          <p:nvPr>
+            <p:ph type="ftr" sz="quarter" idx="4"/>
+          </p:nvPr>
+        </p:nvSpPr>
+        <p:spPr>
+          <a:xfrm>
+            <a:off x="0" y="8685213"/>
+            <a:ext cx="2971800" cy="458787"/>
+          </a:xfrm>
+          <a:prstGeom prst="rect">
+            <a:avLst/>
+          </a:prstGeom>
+        </p:spPr>
+        <p:txBody>
+          <a:bodyPr vert="horz" lIns="91440" tIns="45720" rIns="91440" bIns="45720" rtlCol="0" anchor="b"/>
+          <a:lstStyle>
+            <a:lvl1pPr algn="l">
+              <a:defRPr sz="1200"/>
+            </a:lvl1pPr>
+          </a:lstStyle>
+          <a:p>
+            <a:endParaRPr lang="en-US"/>
+          </a:p>
+        </p:txBody>
+      </p:sp>
+      <p:sp>
+        <p:nvSpPr>
+          <p:cNvPr id="7" name="Slide Number Placeholder 6"/>
+          <p:cNvSpPr>
+            <a:spLocks noGrp="1"/>
+          </p:cNvSpPr>
+          <p:nvPr>
+            <p:ph type="sldNum" sz="quarter" idx="5"/>
+          </p:nvPr>
+        </p:nvSpPr>
+        <p:spPr>
+          <a:xfrm>
+            <a:off x="3884613" y="8685213"/>
+            <a:ext cx="2971800" cy="458787"/>
+          </a:xfrm>
+          <a:prstGeom prst="rect">
+            <a:avLst/>
+          </a:prstGeom>
+        </p:spPr>
+        <p:txBody>
+          <a:bodyPr vert="horz" lIns="91440" tIns="45720" rIns="91440" bIns="45720" rtlCol="0" anchor="b"/>
+          <a:lstStyle>
+            <a:lvl1pPr algn="r">
+              <a:defRPr sz="1200"/>
+            </a:lvl1pPr>
+          </a:lstStyle>
+          <a:p>
+            <a:fld id="{B89773A4-E172-4040-8010-EA79A987C0E8}" type="slidenum">
+              <a:rPr lang="en-US" smtClean="0"/>
+              <a:t>‹#›</a:t>
+            </a:fld>
+            <a:endParaRPr lang="en-US"/>
+          </a:p>
+        </p:txBody>
+      </p:sp>
+    </p:spTree>
+    <p:extLst>
+      <p:ext uri="{BB962C8B-B14F-4D97-AF65-F5344CB8AC3E}">
+        <p14:creationId xmlns:p14="http://schemas.microsoft.com/office/powerpoint/2010/main" val="2127225429"/>
+      </p:ext>
+    </p:extLst>
+  </p:cSld>
+  <p:clrMap bg1="lt1" tx1="dk1" bg2="lt2" tx2="dk2" accent1="accent1" accent2="accent2" accent3="accent3" accent4="accent4" accent5="accent5" accent6="accent6" hlink="hlink" folHlink="folHlink"/>
+  <p:notesStyle>
+    <a:lvl1pPr marL="0" algn="l" defTabSz="914400" rtl="0" eaLnBrk="1" latinLnBrk="0" hangingPunct="1">
+      <a:defRPr sz="1200" kern="1200">
+        <a:solidFill>
+          <a:schemeClr val="tx1"/>
+        </a:solidFill>
+        <a:latin typeface="+mn-lt"/>
+        <a:ea typeface="+mn-ea"/>
+        <a:cs typeface="+mn-cs"/>
+      </a:defRPr>
+    </a:lvl1pPr>
+    <a:lvl2pPr marL="457200" algn="l" defTabSz="914400" rtl="0" eaLnBrk="1" latinLnBrk="0" hangingPunct="1">
+      <a:defRPr sz="1200" kern="1200">
+        <a:solidFill>
+          <a:schemeClr val="tx1"/>
+        </a:solidFill>
+        <a:latin typeface="+mn-lt"/>
+        <a:ea typeface="+mn-ea"/>
+        <a:cs typeface="+mn-cs"/>
+      </a:defRPr>
+    </a:lvl2pPr>
+    <a:lvl3pPr marL="914400" algn="l" defTabSz="914400" rtl="0" eaLnBrk="1" latinLnBrk="0" hangingPunct="1">
+      <a:defRPr sz="1200" kern="1200">
+        <a:solidFill>
+          <a:schemeClr val="tx1"/>
+        </a:solidFill>
+        <a:latin typeface="+mn-lt"/>
+        <a:ea typeface="+mn-ea"/>
+        <a:cs typeface="+mn-cs"/>
+      </a:defRPr>
+    </a:lvl3pPr>
+    <a:lvl4pPr marL="1371600" algn="l" defTabSz="914400" rtl="0" eaLnBrk="1" latinLnBrk="0" hangingPunct="1">
+      <a:defRPr sz="1200" kern="1200">
+        <a:solidFill>
+          <a:schemeClr val="tx1"/>
+        </a:solidFill>
+        <a:latin typeface="+mn-lt"/>
+        <a:ea typeface="+mn-ea"/>
+        <a:cs typeface="+mn-cs"/>
+      </a:defRPr>
+    </a:lvl4pPr>
+    <a:lvl5pPr marL="1828800" algn="l" defTabSz="914400" rtl="0" eaLnBrk="1" latinLnBrk="0" hangingPunct="1">
+      <a:defRPr sz="1200" kern="1200">
+        <a:solidFill>
+          <a:schemeClr val="tx1"/>
+        </a:solidFill>
+        <a:latin typeface="+mn-lt"/>
+        <a:ea typeface="+mn-ea"/>
+        <a:cs typeface="+mn-cs"/>
+      </a:defRPr>
+    </a:lvl5pPr>
+    <a:lvl6pPr marL="2286000" algn="l" defTabSz="914400" rtl="0" eaLnBrk="1" latinLnBrk="0" hangingPunct="1">
+      <a:defRPr sz="1200" kern="1200">
+        <a:solidFill>
+          <a:schemeClr val="tx1"/>
+        </a:solidFill>
+        <a:latin typeface="+mn-lt"/>
+        <a:ea typeface="+mn-ea"/>
+        <a:cs typeface="+mn-cs"/>
+      </a:defRPr>
+    </a:lvl6pPr>
+    <a:lvl7pPr marL="2743200" algn="l" defTabSz="914400" rtl="0" eaLnBrk="1" latinLnBrk="0" hangingPunct="1">
+      <a:defRPr sz="1200" kern="1200">
+        <a:solidFill>
+          <a:schemeClr val="tx1"/>
+        </a:solidFill>
+        <a:latin typeface="+mn-lt"/>
+        <a:ea typeface="+mn-ea"/>
+        <a:cs typeface="+mn-cs"/>
+      </a:defRPr>
+    </a:lvl7pPr>
+    <a:lvl8pPr marL="3200400" algn="l" defTabSz="914400" rtl="0" eaLnBrk="1" latinLnBrk="0" hangingPunct="1">
+      <a:defRPr sz="1200" kern="1200">
+        <a:solidFill>
+          <a:schemeClr val="tx1"/>
+        </a:solidFill>
+        <a:latin typeface="+mn-lt"/>
+        <a:ea typeface="+mn-ea"/>
+        <a:cs typeface="+mn-cs"/>
+      </a:defRPr>
+    </a:lvl8pPr>
+    <a:lvl9pPr marL="3657600" algn="l" defTabSz="914400" rtl="0" eaLnBrk="1" latinLnBrk="0" hangingPunct="1">
+      <a:defRPr sz="1200" kern="1200">
+        <a:solidFill>
+          <a:schemeClr val="tx1"/>
+        </a:solidFill>
+        <a:latin typeface="+mn-lt"/>
+        <a:ea typeface="+mn-ea"/>
+        <a:cs typeface="+mn-cs"/>
+      </a:defRPr>
+    </a:lvl9pPr>
+  </p:notesStyle>
+</p:notesMaster>
+</file>
+
+<file path=ppt/notesSlides/notesSlide1.xml><?xml version="1.0" encoding="utf-8"?>
+<p:notes xmlns:a="http://schemas.openxmlformats.org/drawingml/2006/main" xmlns:r="http://schemas.openxmlformats.org/officeDocument/2006/relationships" xmlns:p="http://schemas.openxmlformats.org/presentationml/2006/main">
+  <p:cSld>
+    <p:spTree>
+      <p:nvGrpSpPr>
+        <p:cNvPr id="1" name=""/>
+        <p:cNvGrpSpPr/>
+        <p:nvPr/>
+      </p:nvGrpSpPr>
+      <p:grpSpPr>
+        <a:xfrm>
+          <a:off x="0" y="0"/>
+          <a:ext cx="0" cy="0"/>
+          <a:chOff x="0" y="0"/>
+          <a:chExt cx="0" cy="0"/>
+        </a:xfrm>
+      </p:grpSpPr>
+      <p:sp>
+        <p:nvSpPr>
+          <p:cNvPr id="2" name="Slide Image Placeholder 1"/>
+          <p:cNvSpPr>
+            <a:spLocks noGrp="1" noRot="1" noChangeAspect="1"/>
+          </p:cNvSpPr>
+          <p:nvPr>
+            <p:ph type="sldImg"/>
+          </p:nvPr>
+        </p:nvSpPr>
+        <p:spPr/>
+      </p:sp>
+      <p:sp>
+        <p:nvSpPr>
+          <p:cNvPr id="3" name="Notes Placeholder 2"/>
+          <p:cNvSpPr>
+            <a:spLocks noGrp="1"/>
+          </p:cNvSpPr>
+          <p:nvPr>
+            <p:ph type="body" idx="1"/>
+          </p:nvPr>
+        </p:nvSpPr>
+        <p:spPr/>
+        <p:txBody>
+          <a:bodyPr/>
+          <a:lstStyle/>
+          <a:p>
+            <a:endParaRPr lang="en-US"/>
+          </a:p>
+        </p:txBody>
+      </p:sp>
+      <p:sp>
+        <p:nvSpPr>
+          <p:cNvPr id="4" name="Slide Number Placeholder 3"/>
+          <p:cNvSpPr>
+            <a:spLocks noGrp="1"/>
+          </p:cNvSpPr>
+          <p:nvPr>
+            <p:ph type="sldNum" sz="quarter" idx="10"/>
+          </p:nvPr>
+        </p:nvSpPr>
+        <p:spPr/>
+        <p:txBody>
+          <a:bodyPr/>
+          <a:lstStyle/>
+          <a:p>
+            <a:fld id="{B89773A4-E172-4040-8010-EA79A987C0E8}" type="slidenum">
+              <a:rPr lang="en-US" smtClean="0"/>
+              <a:t>2</a:t>
+            </a:fld>
+            <a:endParaRPr lang="en-US"/>
+          </a:p>
+        </p:txBody>
+      </p:sp>
+    </p:spTree>
+    <p:extLst>
+      <p:ext uri="{BB962C8B-B14F-4D97-AF65-F5344CB8AC3E}">
+        <p14:creationId xmlns:p14="http://schemas.microsoft.com/office/powerpoint/2010/main" val="3645623440"/>
+      </p:ext>
+    </p:extLst>
+  </p:cSld>
+  <p:clrMapOvr>
+    <a:masterClrMapping/>
+  </p:clrMapOvr>
+</p:notes>
 </file>
 
 <file path=ppt/slideLayouts/slideLayout1.xml><?xml version="1.0" encoding="utf-8"?>
@@ -3020,8 +3466,8 @@
         </p:nvSpPr>
         <p:spPr>
           <a:xfrm>
-            <a:off x="10815146" y="561181"/>
-            <a:ext cx="1497724" cy="461665"/>
+            <a:off x="9489688" y="401445"/>
+            <a:ext cx="2823182" cy="707886"/>
           </a:xfrm>
           <a:prstGeom prst="rect">
             <a:avLst/>
@@ -3035,7 +3481,7 @@
           <a:lstStyle/>
           <a:p>
             <a:r>
-              <a:rPr lang="en-US" sz="2400" dirty="0" smtClean="0">
+              <a:rPr lang="en-US" sz="4000" dirty="0" smtClean="0">
                 <a:solidFill>
                   <a:schemeClr val="accent4">
                     <a:lumMod val="60000"/>
@@ -3043,9 +3489,9 @@
                   </a:schemeClr>
                 </a:solidFill>
               </a:rPr>
-              <a:t>Sign Out</a:t>
-            </a:r>
-            <a:endParaRPr lang="en-US" sz="2400" dirty="0">
+              <a:t>Welcome</a:t>
+            </a:r>
+            <a:endParaRPr lang="en-US" sz="4000" dirty="0">
               <a:solidFill>
                 <a:schemeClr val="accent4">
                   <a:lumMod val="60000"/>
@@ -3056,168 +3502,191 @@
           </a:p>
         </p:txBody>
       </p:sp>
-      <p:graphicFrame>
-        <p:nvGraphicFramePr>
-          <p:cNvPr id="2" name="Table 1"/>
-          <p:cNvGraphicFramePr>
-            <a:graphicFrameLocks noGrp="1"/>
-          </p:cNvGraphicFramePr>
-          <p:nvPr>
-            <p:extLst>
-              <p:ext uri="{D42A27DB-BD31-4B8C-83A1-F6EECF244321}">
-                <p14:modId xmlns:p14="http://schemas.microsoft.com/office/powerpoint/2010/main" val="3346457731"/>
-              </p:ext>
-            </p:extLst>
-          </p:nvPr>
-        </p:nvGraphicFramePr>
-        <p:xfrm>
-          <a:off x="457201" y="1649827"/>
-          <a:ext cx="11209282" cy="4877096"/>
-        </p:xfrm>
-        <a:graphic>
-          <a:graphicData uri="http://schemas.openxmlformats.org/drawingml/2006/table">
-            <a:tbl>
-              <a:tblPr firstRow="1" bandRow="1">
-                <a:tableStyleId>{5C22544A-7EE6-4342-B048-85BDC9FD1C3A}</a:tableStyleId>
-              </a:tblPr>
-              <a:tblGrid>
-                <a:gridCol w="11209282"/>
-              </a:tblGrid>
-              <a:tr h="609637">
-                <a:tc>
-                  <a:txBody>
-                    <a:bodyPr/>
-                    <a:lstStyle/>
-                    <a:p>
-                      <a:pPr algn="ctr"/>
-                      <a:r>
-                        <a:rPr lang="en-US" sz="2400" dirty="0" smtClean="0">
-                          <a:solidFill>
-                            <a:schemeClr val="accent4">
-                              <a:lumMod val="60000"/>
-                              <a:lumOff val="40000"/>
-                            </a:schemeClr>
-                          </a:solidFill>
-                        </a:rPr>
-                        <a:t>COURSES</a:t>
-                      </a:r>
-                      <a:endParaRPr lang="en-US" sz="2400" dirty="0">
-                        <a:solidFill>
-                          <a:schemeClr val="accent4">
-                            <a:lumMod val="60000"/>
-                            <a:lumOff val="40000"/>
-                          </a:schemeClr>
-                        </a:solidFill>
-                      </a:endParaRPr>
-                    </a:p>
-                  </a:txBody>
-                  <a:tcPr/>
-                </a:tc>
-              </a:tr>
-              <a:tr h="609637">
-                <a:tc>
-                  <a:txBody>
-                    <a:bodyPr/>
-                    <a:lstStyle/>
-                    <a:p>
-                      <a:r>
-                        <a:rPr lang="en-US" dirty="0" smtClean="0"/>
-                        <a:t>Course</a:t>
-                      </a:r>
-                      <a:r>
-                        <a:rPr lang="en-US" baseline="0" dirty="0" smtClean="0"/>
-                        <a:t> 1</a:t>
-                      </a:r>
-                      <a:endParaRPr lang="en-US" dirty="0"/>
-                    </a:p>
-                  </a:txBody>
-                  <a:tcPr/>
-                </a:tc>
-              </a:tr>
-              <a:tr h="609637">
-                <a:tc>
-                  <a:txBody>
-                    <a:bodyPr/>
-                    <a:lstStyle/>
-                    <a:p>
-                      <a:r>
-                        <a:rPr lang="en-US" smtClean="0"/>
-                        <a:t>Course 2</a:t>
-                      </a:r>
-                      <a:endParaRPr lang="en-US"/>
-                    </a:p>
-                  </a:txBody>
-                  <a:tcPr/>
-                </a:tc>
-              </a:tr>
-              <a:tr h="609637">
-                <a:tc>
-                  <a:txBody>
-                    <a:bodyPr/>
-                    <a:lstStyle/>
-                    <a:p>
-                      <a:endParaRPr lang="en-US"/>
-                    </a:p>
-                  </a:txBody>
-                  <a:tcPr/>
-                </a:tc>
-              </a:tr>
-              <a:tr h="609637">
-                <a:tc>
-                  <a:txBody>
-                    <a:bodyPr/>
-                    <a:lstStyle/>
-                    <a:p>
-                      <a:endParaRPr lang="en-US"/>
-                    </a:p>
-                  </a:txBody>
-                  <a:tcPr/>
-                </a:tc>
-              </a:tr>
-              <a:tr h="609637">
-                <a:tc>
-                  <a:txBody>
-                    <a:bodyPr/>
-                    <a:lstStyle/>
-                    <a:p>
-                      <a:endParaRPr lang="en-US"/>
-                    </a:p>
-                  </a:txBody>
-                  <a:tcPr/>
-                </a:tc>
-              </a:tr>
-              <a:tr h="609637">
-                <a:tc>
-                  <a:txBody>
-                    <a:bodyPr/>
-                    <a:lstStyle/>
-                    <a:p>
-                      <a:endParaRPr lang="en-US"/>
-                    </a:p>
-                  </a:txBody>
-                  <a:tcPr/>
-                </a:tc>
-              </a:tr>
-              <a:tr h="609637">
-                <a:tc>
-                  <a:txBody>
-                    <a:bodyPr/>
-                    <a:lstStyle/>
-                    <a:p>
-                      <a:endParaRPr lang="en-US" dirty="0"/>
-                    </a:p>
-                  </a:txBody>
-                  <a:tcPr/>
-                </a:tc>
-              </a:tr>
-            </a:tbl>
-          </a:graphicData>
-        </a:graphic>
-      </p:graphicFrame>
+      <p:sp>
+        <p:nvSpPr>
+          <p:cNvPr id="3" name="Rectangle 2"/>
+          <p:cNvSpPr/>
+          <p:nvPr/>
+        </p:nvSpPr>
+        <p:spPr>
+          <a:xfrm>
+            <a:off x="3066585" y="2196791"/>
+            <a:ext cx="5620215" cy="1806498"/>
+          </a:xfrm>
+          <a:prstGeom prst="rect">
+            <a:avLst/>
+          </a:prstGeom>
+          <a:noFill/>
+          <a:ln>
+            <a:solidFill>
+              <a:schemeClr val="tx1">
+                <a:lumMod val="95000"/>
+                <a:lumOff val="5000"/>
+              </a:schemeClr>
+            </a:solidFill>
+          </a:ln>
+        </p:spPr>
+        <p:style>
+          <a:lnRef idx="2">
+            <a:schemeClr val="accent1">
+              <a:shade val="50000"/>
+            </a:schemeClr>
+          </a:lnRef>
+          <a:fillRef idx="1">
+            <a:schemeClr val="accent1"/>
+          </a:fillRef>
+          <a:effectRef idx="0">
+            <a:schemeClr val="accent1"/>
+          </a:effectRef>
+          <a:fontRef idx="minor">
+            <a:schemeClr val="lt1"/>
+          </a:fontRef>
+        </p:style>
+        <p:txBody>
+          <a:bodyPr rtlCol="0" anchor="ctr"/>
+          <a:lstStyle/>
+          <a:p>
+            <a:pPr algn="ctr"/>
+            <a:endParaRPr lang="en-US"/>
+          </a:p>
+        </p:txBody>
+      </p:sp>
+      <p:sp>
+        <p:nvSpPr>
+          <p:cNvPr id="6" name="TextBox 5"/>
+          <p:cNvSpPr txBox="1"/>
+          <p:nvPr/>
+        </p:nvSpPr>
+        <p:spPr>
+          <a:xfrm>
+            <a:off x="3585116" y="2457270"/>
+            <a:ext cx="4583151" cy="1477328"/>
+          </a:xfrm>
+          <a:prstGeom prst="rect">
+            <a:avLst/>
+          </a:prstGeom>
+          <a:noFill/>
+        </p:spPr>
+        <p:txBody>
+          <a:bodyPr wrap="square" rtlCol="0">
+            <a:spAutoFit/>
+          </a:bodyPr>
+          <a:lstStyle/>
+          <a:p>
+            <a:pPr algn="ctr"/>
+            <a:r>
+              <a:rPr lang="en-US" dirty="0" smtClean="0"/>
+              <a:t>LOGIN</a:t>
+            </a:r>
+          </a:p>
+          <a:p>
+            <a:pPr algn="ctr"/>
+            <a:endParaRPr lang="en-US" dirty="0" smtClean="0"/>
+          </a:p>
+          <a:p>
+            <a:r>
+              <a:rPr lang="en-US" dirty="0" smtClean="0"/>
+              <a:t>Username:</a:t>
+            </a:r>
+          </a:p>
+          <a:p>
+            <a:endParaRPr lang="en-US" dirty="0" smtClean="0"/>
+          </a:p>
+          <a:p>
+            <a:r>
+              <a:rPr lang="en-US" dirty="0" smtClean="0"/>
+              <a:t>Password:</a:t>
+            </a:r>
+            <a:endParaRPr lang="en-US" dirty="0"/>
+          </a:p>
+        </p:txBody>
+      </p:sp>
+      <p:sp>
+        <p:nvSpPr>
+          <p:cNvPr id="8" name="Rectangle 7"/>
+          <p:cNvSpPr/>
+          <p:nvPr/>
+        </p:nvSpPr>
+        <p:spPr>
+          <a:xfrm>
+            <a:off x="4895385" y="3066585"/>
+            <a:ext cx="2520176" cy="245327"/>
+          </a:xfrm>
+          <a:prstGeom prst="rect">
+            <a:avLst/>
+          </a:prstGeom>
+          <a:noFill/>
+        </p:spPr>
+        <p:style>
+          <a:lnRef idx="2">
+            <a:schemeClr val="accent1">
+              <a:shade val="50000"/>
+            </a:schemeClr>
+          </a:lnRef>
+          <a:fillRef idx="1">
+            <a:schemeClr val="accent1"/>
+          </a:fillRef>
+          <a:effectRef idx="0">
+            <a:schemeClr val="accent1"/>
+          </a:effectRef>
+          <a:fontRef idx="minor">
+            <a:schemeClr val="lt1"/>
+          </a:fontRef>
+        </p:style>
+        <p:txBody>
+          <a:bodyPr rtlCol="0" anchor="ctr"/>
+          <a:lstStyle/>
+          <a:p>
+            <a:pPr algn="ctr"/>
+            <a:endParaRPr lang="en-US"/>
+          </a:p>
+        </p:txBody>
+      </p:sp>
+      <p:sp>
+        <p:nvSpPr>
+          <p:cNvPr id="9" name="Rectangle 8"/>
+          <p:cNvSpPr/>
+          <p:nvPr/>
+        </p:nvSpPr>
+        <p:spPr>
+          <a:xfrm>
+            <a:off x="4895385" y="3572391"/>
+            <a:ext cx="2520176" cy="245327"/>
+          </a:xfrm>
+          <a:prstGeom prst="rect">
+            <a:avLst/>
+          </a:prstGeom>
+          <a:noFill/>
+        </p:spPr>
+        <p:style>
+          <a:lnRef idx="2">
+            <a:schemeClr val="accent1">
+              <a:shade val="50000"/>
+            </a:schemeClr>
+          </a:lnRef>
+          <a:fillRef idx="1">
+            <a:schemeClr val="accent1"/>
+          </a:fillRef>
+          <a:effectRef idx="0">
+            <a:schemeClr val="accent1"/>
+          </a:effectRef>
+          <a:fontRef idx="minor">
+            <a:schemeClr val="lt1"/>
+          </a:fontRef>
+        </p:style>
+        <p:txBody>
+          <a:bodyPr rtlCol="0" anchor="ctr"/>
+          <a:lstStyle/>
+          <a:p>
+            <a:pPr algn="ctr"/>
+            <a:endParaRPr lang="en-US"/>
+          </a:p>
+        </p:txBody>
+      </p:sp>
     </p:spTree>
     <p:extLst>
       <p:ext uri="{BB962C8B-B14F-4D97-AF65-F5344CB8AC3E}">
-        <p14:creationId xmlns:p14="http://schemas.microsoft.com/office/powerpoint/2010/main" val="1415549370"/>
+        <p14:creationId xmlns:p14="http://schemas.microsoft.com/office/powerpoint/2010/main" val="4290358197"/>
       </p:ext>
     </p:extLst>
   </p:cSld>
@@ -3340,111 +3809,23 @@
           </a:p>
         </p:txBody>
       </p:sp>
-      <p:sp>
-        <p:nvSpPr>
-          <p:cNvPr id="6" name="TextBox 5"/>
-          <p:cNvSpPr txBox="1"/>
-          <p:nvPr/>
-        </p:nvSpPr>
-        <p:spPr>
-          <a:xfrm>
-            <a:off x="212834" y="149274"/>
-            <a:ext cx="1923393" cy="461665"/>
-          </a:xfrm>
-          <a:prstGeom prst="rect">
-            <a:avLst/>
-          </a:prstGeom>
-          <a:noFill/>
-        </p:spPr>
-        <p:txBody>
-          <a:bodyPr wrap="square" rtlCol="0">
-            <a:spAutoFit/>
-          </a:bodyPr>
-          <a:lstStyle/>
-          <a:p>
-            <a:r>
-              <a:rPr lang="en-US" sz="2400" dirty="0" smtClean="0">
-                <a:solidFill>
-                  <a:schemeClr val="accent4">
-                    <a:lumMod val="60000"/>
-                    <a:lumOff val="40000"/>
-                  </a:schemeClr>
-                </a:solidFill>
-              </a:rPr>
-              <a:t>Switch course</a:t>
-            </a:r>
-            <a:endParaRPr lang="en-US" sz="2400" dirty="0">
-              <a:solidFill>
-                <a:schemeClr val="accent4">
-                  <a:lumMod val="60000"/>
-                  <a:lumOff val="40000"/>
-                </a:schemeClr>
-              </a:solidFill>
-            </a:endParaRPr>
-          </a:p>
-        </p:txBody>
-      </p:sp>
-      <p:sp>
-        <p:nvSpPr>
-          <p:cNvPr id="7" name="TextBox 6"/>
-          <p:cNvSpPr txBox="1"/>
-          <p:nvPr/>
-        </p:nvSpPr>
-        <p:spPr>
-          <a:xfrm>
-            <a:off x="212834" y="610939"/>
-            <a:ext cx="1497724" cy="461665"/>
-          </a:xfrm>
-          <a:prstGeom prst="rect">
-            <a:avLst/>
-          </a:prstGeom>
-          <a:noFill/>
-        </p:spPr>
-        <p:txBody>
-          <a:bodyPr wrap="square" rtlCol="0">
-            <a:spAutoFit/>
-          </a:bodyPr>
-          <a:lstStyle/>
-          <a:p>
-            <a:r>
-              <a:rPr lang="en-US" sz="2400" dirty="0" smtClean="0">
-                <a:solidFill>
-                  <a:schemeClr val="accent4">
-                    <a:lumMod val="60000"/>
-                    <a:lumOff val="40000"/>
-                  </a:schemeClr>
-                </a:solidFill>
-              </a:rPr>
-              <a:t>CS 329</a:t>
-            </a:r>
-            <a:endParaRPr lang="en-US" sz="2400" dirty="0">
-              <a:solidFill>
-                <a:schemeClr val="accent4">
-                  <a:lumMod val="60000"/>
-                  <a:lumOff val="40000"/>
-                </a:schemeClr>
-              </a:solidFill>
-            </a:endParaRPr>
-          </a:p>
-        </p:txBody>
-      </p:sp>
       <p:graphicFrame>
         <p:nvGraphicFramePr>
-          <p:cNvPr id="8" name="Table 7"/>
+          <p:cNvPr id="2" name="Table 1"/>
           <p:cNvGraphicFramePr>
             <a:graphicFrameLocks noGrp="1"/>
           </p:cNvGraphicFramePr>
           <p:nvPr>
             <p:extLst>
               <p:ext uri="{D42A27DB-BD31-4B8C-83A1-F6EECF244321}">
-                <p14:modId xmlns:p14="http://schemas.microsoft.com/office/powerpoint/2010/main" val="1455134467"/>
+                <p14:modId xmlns:p14="http://schemas.microsoft.com/office/powerpoint/2010/main" val="3093052587"/>
               </p:ext>
             </p:extLst>
           </p:nvPr>
         </p:nvGraphicFramePr>
         <p:xfrm>
-          <a:off x="212833" y="1584025"/>
-          <a:ext cx="11737428" cy="4848304"/>
+          <a:off x="457201" y="1649827"/>
+          <a:ext cx="11201399" cy="3695062"/>
         </p:xfrm>
         <a:graphic>
           <a:graphicData uri="http://schemas.openxmlformats.org/drawingml/2006/table">
@@ -3453,10 +3834,9 @@
                 <a:tableStyleId>{5C22544A-7EE6-4342-B048-85BDC9FD1C3A}</a:tableStyleId>
               </a:tblPr>
               <a:tblGrid>
-                <a:gridCol w="5868714"/>
-                <a:gridCol w="5868714"/>
+                <a:gridCol w="11201399"/>
               </a:tblGrid>
-              <a:tr h="606038">
+              <a:tr h="489356">
                 <a:tc>
                   <a:txBody>
                     <a:bodyPr/>
@@ -3472,7 +3852,7 @@
                             </a:schemeClr>
                           </a:solidFill>
                         </a:rPr>
-                        <a:t>STUDENTS</a:t>
+                        <a:t>COURSES</a:t>
                       </a:r>
                       <a:endParaRPr lang="en-US" sz="2400" dirty="0">
                         <a:solidFill>
@@ -3486,37 +3866,8 @@
                   </a:txBody>
                   <a:tcPr/>
                 </a:tc>
-                <a:tc>
-                  <a:txBody>
-                    <a:bodyPr/>
-                    <a:lstStyle/>
-                    <a:p>
-                      <a:pPr algn="ctr"/>
-                      <a:r>
-                        <a:rPr lang="en-US" sz="2400" dirty="0" smtClean="0">
-                          <a:solidFill>
-                            <a:schemeClr val="accent4">
-                              <a:lumMod val="60000"/>
-                              <a:lumOff val="40000"/>
-                            </a:schemeClr>
-                          </a:solidFill>
-                        </a:rPr>
-                        <a:t>ASSIGNMENTS</a:t>
-                      </a:r>
-                      <a:endParaRPr lang="en-US" sz="2400" dirty="0">
-                        <a:solidFill>
-                          <a:schemeClr val="accent4">
-                            <a:lumMod val="60000"/>
-                            <a:lumOff val="40000"/>
-                          </a:schemeClr>
-                        </a:solidFill>
-                      </a:endParaRPr>
-                    </a:p>
-                  </a:txBody>
-                  <a:tcPr/>
-                </a:tc>
               </a:tr>
-              <a:tr h="606038">
+              <a:tr h="457958">
                 <a:tc>
                   <a:txBody>
                     <a:bodyPr/>
@@ -3524,12 +3875,15 @@
                     <a:p>
                       <a:r>
                         <a:rPr lang="en-US" dirty="0" smtClean="0"/>
-                        <a:t>Student 1</a:t>
+                        <a:t>CS 329</a:t>
                       </a:r>
-                    </a:p>
-                  </a:txBody>
-                  <a:tcPr/>
-                </a:tc>
+                      <a:endParaRPr lang="en-US" dirty="0"/>
+                    </a:p>
+                  </a:txBody>
+                  <a:tcPr/>
+                </a:tc>
+              </a:tr>
+              <a:tr h="457958">
                 <a:tc>
                   <a:txBody>
                     <a:bodyPr/>
@@ -3537,11 +3891,26 @@
                     <a:p>
                       <a:r>
                         <a:rPr lang="en-US" dirty="0" smtClean="0"/>
-                        <a:t>Assignment</a:t>
+                        <a:t>Course </a:t>
                       </a:r>
                       <a:r>
-                        <a:rPr lang="en-US" baseline="0" dirty="0" smtClean="0"/>
-                        <a:t> 1</a:t>
+                        <a:rPr lang="en-US" dirty="0" smtClean="0"/>
+                        <a:t>2</a:t>
+                      </a:r>
+                    </a:p>
+                  </a:txBody>
+                  <a:tcPr/>
+                </a:tc>
+              </a:tr>
+              <a:tr h="457958">
+                <a:tc>
+                  <a:txBody>
+                    <a:bodyPr/>
+                    <a:lstStyle/>
+                    <a:p>
+                      <a:r>
+                        <a:rPr lang="en-US" dirty="0" smtClean="0"/>
+                        <a:t>Course 3</a:t>
                       </a:r>
                       <a:endParaRPr lang="en-US" dirty="0"/>
                     </a:p>
@@ -3549,7 +3918,7 @@
                   <a:tcPr/>
                 </a:tc>
               </a:tr>
-              <a:tr h="606038">
+              <a:tr h="457958">
                 <a:tc>
                   <a:txBody>
                     <a:bodyPr/>
@@ -3557,13 +3926,30 @@
                     <a:p>
                       <a:r>
                         <a:rPr lang="en-US" dirty="0" smtClean="0"/>
-                        <a:t>Student 2</a:t>
+                        <a:t>Course 4</a:t>
+                      </a:r>
+                    </a:p>
+                  </a:txBody>
+                  <a:tcPr/>
+                </a:tc>
+              </a:tr>
+              <a:tr h="457958">
+                <a:tc>
+                  <a:txBody>
+                    <a:bodyPr/>
+                    <a:lstStyle/>
+                    <a:p>
+                      <a:r>
+                        <a:rPr lang="en-US" dirty="0" smtClean="0"/>
+                        <a:t>Course 5</a:t>
                       </a:r>
                       <a:endParaRPr lang="en-US" dirty="0"/>
                     </a:p>
                   </a:txBody>
                   <a:tcPr/>
                 </a:tc>
+              </a:tr>
+              <a:tr h="457958">
                 <a:tc>
                   <a:txBody>
                     <a:bodyPr/>
@@ -3571,7 +3957,7 @@
                     <a:p>
                       <a:r>
                         <a:rPr lang="en-US" dirty="0" smtClean="0"/>
-                        <a:t>Assignment 2</a:t>
+                        <a:t>Course 6</a:t>
                       </a:r>
                       <a:endParaRPr lang="en-US" dirty="0"/>
                     </a:p>
@@ -3579,110 +3965,16 @@
                   <a:tcPr/>
                 </a:tc>
               </a:tr>
-              <a:tr h="606038">
-                <a:tc>
-                  <a:txBody>
-                    <a:bodyPr/>
-                    <a:lstStyle/>
-                    <a:p>
-                      <a:endParaRPr lang="en-US"/>
-                    </a:p>
-                  </a:txBody>
-                  <a:tcPr/>
-                </a:tc>
-                <a:tc>
-                  <a:txBody>
-                    <a:bodyPr/>
-                    <a:lstStyle/>
-                    <a:p>
-                      <a:endParaRPr lang="en-US"/>
-                    </a:p>
-                  </a:txBody>
-                  <a:tcPr/>
-                </a:tc>
-              </a:tr>
-              <a:tr h="606038">
-                <a:tc>
-                  <a:txBody>
-                    <a:bodyPr/>
-                    <a:lstStyle/>
-                    <a:p>
-                      <a:endParaRPr lang="en-US"/>
-                    </a:p>
-                  </a:txBody>
-                  <a:tcPr/>
-                </a:tc>
-                <a:tc>
-                  <a:txBody>
-                    <a:bodyPr/>
-                    <a:lstStyle/>
-                    <a:p>
-                      <a:endParaRPr lang="en-US"/>
-                    </a:p>
-                  </a:txBody>
-                  <a:tcPr/>
-                </a:tc>
-              </a:tr>
-              <a:tr h="606038">
-                <a:tc>
-                  <a:txBody>
-                    <a:bodyPr/>
-                    <a:lstStyle/>
-                    <a:p>
-                      <a:endParaRPr lang="en-US"/>
-                    </a:p>
-                  </a:txBody>
-                  <a:tcPr/>
-                </a:tc>
-                <a:tc>
-                  <a:txBody>
-                    <a:bodyPr/>
-                    <a:lstStyle/>
-                    <a:p>
-                      <a:endParaRPr lang="en-US"/>
-                    </a:p>
-                  </a:txBody>
-                  <a:tcPr/>
-                </a:tc>
-              </a:tr>
-              <a:tr h="606038">
-                <a:tc>
-                  <a:txBody>
-                    <a:bodyPr/>
-                    <a:lstStyle/>
-                    <a:p>
-                      <a:endParaRPr lang="en-US"/>
-                    </a:p>
-                  </a:txBody>
-                  <a:tcPr/>
-                </a:tc>
-                <a:tc>
-                  <a:txBody>
-                    <a:bodyPr/>
-                    <a:lstStyle/>
-                    <a:p>
-                      <a:endParaRPr lang="en-US"/>
-                    </a:p>
-                  </a:txBody>
-                  <a:tcPr/>
-                </a:tc>
-              </a:tr>
-              <a:tr h="606038">
-                <a:tc>
-                  <a:txBody>
-                    <a:bodyPr/>
-                    <a:lstStyle/>
-                    <a:p>
-                      <a:endParaRPr lang="en-US"/>
-                    </a:p>
-                  </a:txBody>
-                  <a:tcPr/>
-                </a:tc>
-                <a:tc>
-                  <a:txBody>
-                    <a:bodyPr/>
-                    <a:lstStyle/>
-                    <a:p>
+              <a:tr h="457958">
+                <a:tc>
+                  <a:txBody>
+                    <a:bodyPr/>
+                    <a:lstStyle/>
+                    <a:p>
+                      <a:r>
+                        <a:rPr lang="en-US" dirty="0" smtClean="0"/>
+                        <a:t>Course 7</a:t>
+                      </a:r>
                       <a:endParaRPr lang="en-US" dirty="0"/>
                     </a:p>
                   </a:txBody>
@@ -3693,10 +3985,270 @@
           </a:graphicData>
         </a:graphic>
       </p:graphicFrame>
+      <p:sp>
+        <p:nvSpPr>
+          <p:cNvPr id="3" name="TextBox 2"/>
+          <p:cNvSpPr txBox="1"/>
+          <p:nvPr/>
+        </p:nvSpPr>
+        <p:spPr>
+          <a:xfrm>
+            <a:off x="0" y="0"/>
+            <a:ext cx="2100943" cy="461665"/>
+          </a:xfrm>
+          <a:prstGeom prst="rect">
+            <a:avLst/>
+          </a:prstGeom>
+          <a:noFill/>
+        </p:spPr>
+        <p:txBody>
+          <a:bodyPr wrap="square" rtlCol="0">
+            <a:spAutoFit/>
+          </a:bodyPr>
+          <a:lstStyle/>
+          <a:p>
+            <a:r>
+              <a:rPr lang="en-US" sz="2400" dirty="0" smtClean="0">
+                <a:solidFill>
+                  <a:schemeClr val="accent4">
+                    <a:lumMod val="60000"/>
+                    <a:lumOff val="40000"/>
+                  </a:schemeClr>
+                </a:solidFill>
+              </a:rPr>
+              <a:t>Instructor View</a:t>
+            </a:r>
+            <a:endParaRPr lang="en-US" sz="2400" dirty="0">
+              <a:solidFill>
+                <a:schemeClr val="accent4">
+                  <a:lumMod val="60000"/>
+                  <a:lumOff val="40000"/>
+                </a:schemeClr>
+              </a:solidFill>
+            </a:endParaRPr>
+          </a:p>
+        </p:txBody>
+      </p:sp>
+      <p:sp>
+        <p:nvSpPr>
+          <p:cNvPr id="6" name="Rectangle 5"/>
+          <p:cNvSpPr/>
+          <p:nvPr/>
+        </p:nvSpPr>
+        <p:spPr>
+          <a:xfrm>
+            <a:off x="359228" y="5856514"/>
+            <a:ext cx="1578429" cy="566056"/>
+          </a:xfrm>
+          <a:prstGeom prst="rect">
+            <a:avLst/>
+          </a:prstGeom>
+          <a:noFill/>
+        </p:spPr>
+        <p:style>
+          <a:lnRef idx="2">
+            <a:schemeClr val="accent1">
+              <a:shade val="50000"/>
+            </a:schemeClr>
+          </a:lnRef>
+          <a:fillRef idx="1">
+            <a:schemeClr val="accent1"/>
+          </a:fillRef>
+          <a:effectRef idx="0">
+            <a:schemeClr val="accent1"/>
+          </a:effectRef>
+          <a:fontRef idx="minor">
+            <a:schemeClr val="lt1"/>
+          </a:fontRef>
+        </p:style>
+        <p:txBody>
+          <a:bodyPr rtlCol="0" anchor="ctr"/>
+          <a:lstStyle/>
+          <a:p>
+            <a:pPr algn="ctr"/>
+            <a:endParaRPr lang="en-US"/>
+          </a:p>
+        </p:txBody>
+      </p:sp>
+      <p:sp>
+        <p:nvSpPr>
+          <p:cNvPr id="7" name="TextBox 6"/>
+          <p:cNvSpPr txBox="1"/>
+          <p:nvPr/>
+        </p:nvSpPr>
+        <p:spPr>
+          <a:xfrm>
+            <a:off x="359228" y="5954876"/>
+            <a:ext cx="1578429" cy="369332"/>
+          </a:xfrm>
+          <a:prstGeom prst="rect">
+            <a:avLst/>
+          </a:prstGeom>
+          <a:noFill/>
+        </p:spPr>
+        <p:txBody>
+          <a:bodyPr wrap="square" rtlCol="0">
+            <a:spAutoFit/>
+          </a:bodyPr>
+          <a:lstStyle/>
+          <a:p>
+            <a:pPr algn="ctr"/>
+            <a:r>
+              <a:rPr lang="en-US" dirty="0" smtClean="0"/>
+              <a:t>Add Class</a:t>
+            </a:r>
+            <a:endParaRPr lang="en-US" dirty="0"/>
+          </a:p>
+        </p:txBody>
+      </p:sp>
+      <p:sp>
+        <p:nvSpPr>
+          <p:cNvPr id="10" name="TextBox 9"/>
+          <p:cNvSpPr txBox="1"/>
+          <p:nvPr/>
+        </p:nvSpPr>
+        <p:spPr>
+          <a:xfrm>
+            <a:off x="2786742" y="5954876"/>
+            <a:ext cx="1578429" cy="369332"/>
+          </a:xfrm>
+          <a:prstGeom prst="rect">
+            <a:avLst/>
+          </a:prstGeom>
+          <a:noFill/>
+        </p:spPr>
+        <p:txBody>
+          <a:bodyPr wrap="square" rtlCol="0">
+            <a:spAutoFit/>
+          </a:bodyPr>
+          <a:lstStyle/>
+          <a:p>
+            <a:pPr algn="ctr"/>
+            <a:r>
+              <a:rPr lang="en-US" dirty="0" smtClean="0"/>
+              <a:t>Edit Class</a:t>
+            </a:r>
+            <a:endParaRPr lang="en-US" dirty="0"/>
+          </a:p>
+        </p:txBody>
+      </p:sp>
+      <p:sp>
+        <p:nvSpPr>
+          <p:cNvPr id="11" name="Rectangle 10"/>
+          <p:cNvSpPr/>
+          <p:nvPr/>
+        </p:nvSpPr>
+        <p:spPr>
+          <a:xfrm>
+            <a:off x="2833006" y="5856514"/>
+            <a:ext cx="1578429" cy="566056"/>
+          </a:xfrm>
+          <a:prstGeom prst="rect">
+            <a:avLst/>
+          </a:prstGeom>
+          <a:noFill/>
+        </p:spPr>
+        <p:style>
+          <a:lnRef idx="2">
+            <a:schemeClr val="accent1">
+              <a:shade val="50000"/>
+            </a:schemeClr>
+          </a:lnRef>
+          <a:fillRef idx="1">
+            <a:schemeClr val="accent1"/>
+          </a:fillRef>
+          <a:effectRef idx="0">
+            <a:schemeClr val="accent1"/>
+          </a:effectRef>
+          <a:fontRef idx="minor">
+            <a:schemeClr val="lt1"/>
+          </a:fontRef>
+        </p:style>
+        <p:txBody>
+          <a:bodyPr rtlCol="0" anchor="ctr"/>
+          <a:lstStyle/>
+          <a:p>
+            <a:pPr algn="ctr"/>
+            <a:endParaRPr lang="en-US"/>
+          </a:p>
+        </p:txBody>
+      </p:sp>
+      <p:sp>
+        <p:nvSpPr>
+          <p:cNvPr id="12" name="Rectangle 11"/>
+          <p:cNvSpPr/>
+          <p:nvPr/>
+        </p:nvSpPr>
+        <p:spPr>
+          <a:xfrm>
+            <a:off x="5306784" y="5856514"/>
+            <a:ext cx="1578429" cy="566056"/>
+          </a:xfrm>
+          <a:prstGeom prst="rect">
+            <a:avLst/>
+          </a:prstGeom>
+          <a:noFill/>
+        </p:spPr>
+        <p:style>
+          <a:lnRef idx="2">
+            <a:schemeClr val="accent1">
+              <a:shade val="50000"/>
+            </a:schemeClr>
+          </a:lnRef>
+          <a:fillRef idx="1">
+            <a:schemeClr val="accent1"/>
+          </a:fillRef>
+          <a:effectRef idx="0">
+            <a:schemeClr val="accent1"/>
+          </a:effectRef>
+          <a:fontRef idx="minor">
+            <a:schemeClr val="lt1"/>
+          </a:fontRef>
+        </p:style>
+        <p:txBody>
+          <a:bodyPr rtlCol="0" anchor="ctr"/>
+          <a:lstStyle/>
+          <a:p>
+            <a:pPr algn="ctr"/>
+            <a:endParaRPr lang="en-US"/>
+          </a:p>
+        </p:txBody>
+      </p:sp>
+      <p:sp>
+        <p:nvSpPr>
+          <p:cNvPr id="13" name="TextBox 12"/>
+          <p:cNvSpPr txBox="1"/>
+          <p:nvPr/>
+        </p:nvSpPr>
+        <p:spPr>
+          <a:xfrm>
+            <a:off x="5306784" y="5954876"/>
+            <a:ext cx="1578429" cy="369332"/>
+          </a:xfrm>
+          <a:prstGeom prst="rect">
+            <a:avLst/>
+          </a:prstGeom>
+          <a:noFill/>
+        </p:spPr>
+        <p:txBody>
+          <a:bodyPr wrap="square" rtlCol="0">
+            <a:spAutoFit/>
+          </a:bodyPr>
+          <a:lstStyle/>
+          <a:p>
+            <a:pPr algn="ctr"/>
+            <a:r>
+              <a:rPr lang="en-US" dirty="0" smtClean="0"/>
+              <a:t>Remove Class</a:t>
+            </a:r>
+            <a:endParaRPr lang="en-US" dirty="0"/>
+          </a:p>
+        </p:txBody>
+      </p:sp>
     </p:spTree>
     <p:extLst>
       <p:ext uri="{BB962C8B-B14F-4D97-AF65-F5344CB8AC3E}">
-        <p14:creationId xmlns:p14="http://schemas.microsoft.com/office/powerpoint/2010/main" val="4269290566"/>
+        <p14:creationId xmlns:p14="http://schemas.microsoft.com/office/powerpoint/2010/main" val="3498844135"/>
       </p:ext>
     </p:extLst>
   </p:cSld>
@@ -3732,6 +4284,59 @@
       </p:grpSpPr>
       <p:sp>
         <p:nvSpPr>
+          <p:cNvPr id="2" name="Title 1"/>
+          <p:cNvSpPr>
+            <a:spLocks noGrp="1"/>
+          </p:cNvSpPr>
+          <p:nvPr>
+            <p:ph type="title"/>
+          </p:nvPr>
+        </p:nvSpPr>
+        <p:spPr/>
+        <p:txBody>
+          <a:bodyPr/>
+          <a:lstStyle/>
+          <a:p>
+            <a:r>
+              <a:rPr lang="en-US" dirty="0" smtClean="0"/>
+              <a:t>The next slides gives choice between choosing to view students or assignments</a:t>
+            </a:r>
+            <a:endParaRPr lang="en-US" dirty="0"/>
+          </a:p>
+        </p:txBody>
+      </p:sp>
+    </p:spTree>
+    <p:extLst>
+      <p:ext uri="{BB962C8B-B14F-4D97-AF65-F5344CB8AC3E}">
+        <p14:creationId xmlns:p14="http://schemas.microsoft.com/office/powerpoint/2010/main" val="2513495570"/>
+      </p:ext>
+    </p:extLst>
+  </p:cSld>
+  <p:clrMapOvr>
+    <a:masterClrMapping/>
+  </p:clrMapOvr>
+</p:sld>
+</file>
+
+<file path=ppt/slides/slide4.xml><?xml version="1.0" encoding="utf-8"?>
+<p:sld xmlns:a="http://schemas.openxmlformats.org/drawingml/2006/main" xmlns:r="http://schemas.openxmlformats.org/officeDocument/2006/relationships" xmlns:p="http://schemas.openxmlformats.org/presentationml/2006/main">
+  <p:cSld>
+    <p:spTree>
+      <p:nvGrpSpPr>
+        <p:cNvPr id="1" name=""/>
+        <p:cNvGrpSpPr/>
+        <p:nvPr/>
+      </p:nvGrpSpPr>
+      <p:grpSpPr>
+        <a:xfrm>
+          <a:off x="0" y="0"/>
+          <a:ext cx="0" cy="0"/>
+          <a:chOff x="0" y="0"/>
+          <a:chExt cx="0" cy="0"/>
+        </a:xfrm>
+      </p:grpSpPr>
+      <p:sp>
+        <p:nvSpPr>
           <p:cNvPr id="4" name="Rectangle 3"/>
           <p:cNvSpPr/>
           <p:nvPr/>
@@ -3916,14 +4521,14 @@
           <p:nvPr>
             <p:extLst>
               <p:ext uri="{D42A27DB-BD31-4B8C-83A1-F6EECF244321}">
-                <p14:modId xmlns:p14="http://schemas.microsoft.com/office/powerpoint/2010/main" val="1596813652"/>
+                <p14:modId xmlns:p14="http://schemas.microsoft.com/office/powerpoint/2010/main" val="130184433"/>
               </p:ext>
             </p:extLst>
           </p:nvPr>
         </p:nvGraphicFramePr>
         <p:xfrm>
           <a:off x="212833" y="1584025"/>
-          <a:ext cx="11737428" cy="4848304"/>
+          <a:ext cx="11737428" cy="3519357"/>
         </p:xfrm>
         <a:graphic>
           <a:graphicData uri="http://schemas.openxmlformats.org/drawingml/2006/table">
@@ -3932,10 +4537,10 @@
                 <a:tableStyleId>{5C22544A-7EE6-4342-B048-85BDC9FD1C3A}</a:tableStyleId>
               </a:tblPr>
               <a:tblGrid>
-                <a:gridCol w="9782505"/>
-                <a:gridCol w="1954923"/>
+                <a:gridCol w="5868714"/>
+                <a:gridCol w="5868714"/>
               </a:tblGrid>
-              <a:tr h="606038">
+              <a:tr h="437451">
                 <a:tc>
                   <a:txBody>
                     <a:bodyPr/>
@@ -3951,7 +4556,7 @@
                             </a:schemeClr>
                           </a:solidFill>
                         </a:rPr>
-                        <a:t>STUDENT 1 - ASSIGNMENTS</a:t>
+                        <a:t>STUDENTS</a:t>
                       </a:r>
                       <a:endParaRPr lang="en-US" sz="2400" dirty="0">
                         <a:solidFill>
@@ -3980,7 +4585,7 @@
                             </a:schemeClr>
                           </a:solidFill>
                         </a:rPr>
-                        <a:t>GRADES</a:t>
+                        <a:t>ASSIGNMENTS</a:t>
                       </a:r>
                       <a:endParaRPr lang="en-US" sz="2400" dirty="0">
                         <a:solidFill>
@@ -3995,7 +4600,20 @@
                   <a:tcPr/>
                 </a:tc>
               </a:tr>
-              <a:tr h="606038">
+              <a:tr h="437451">
+                <a:tc>
+                  <a:txBody>
+                    <a:bodyPr/>
+                    <a:lstStyle/>
+                    <a:p>
+                      <a:r>
+                        <a:rPr lang="en-US" dirty="0" smtClean="0"/>
+                        <a:t>Student 1</a:t>
+                      </a:r>
+                    </a:p>
+                  </a:txBody>
+                  <a:tcPr/>
+                </a:tc>
                 <a:tc>
                   <a:txBody>
                     <a:bodyPr/>
@@ -4009,11 +4627,13 @@
                         <a:rPr lang="en-US" baseline="0" dirty="0" smtClean="0"/>
                         <a:t> 1</a:t>
                       </a:r>
-                      <a:endParaRPr lang="en-US" dirty="0" smtClean="0"/>
-                    </a:p>
-                  </a:txBody>
-                  <a:tcPr/>
-                </a:tc>
+                      <a:endParaRPr lang="en-US" dirty="0"/>
+                    </a:p>
+                  </a:txBody>
+                  <a:tcPr/>
+                </a:tc>
+              </a:tr>
+              <a:tr h="437451">
                 <a:tc>
                   <a:txBody>
                     <a:bodyPr/>
@@ -4021,15 +4641,103 @@
                     <a:p>
                       <a:r>
                         <a:rPr lang="en-US" dirty="0" smtClean="0"/>
-                        <a:t>100/100</a:t>
+                        <a:t>Student 2</a:t>
                       </a:r>
                       <a:endParaRPr lang="en-US" dirty="0"/>
                     </a:p>
                   </a:txBody>
                   <a:tcPr/>
                 </a:tc>
+                <a:tc>
+                  <a:txBody>
+                    <a:bodyPr/>
+                    <a:lstStyle/>
+                    <a:p>
+                      <a:r>
+                        <a:rPr lang="en-US" dirty="0" smtClean="0"/>
+                        <a:t>Assignment 2</a:t>
+                      </a:r>
+                      <a:endParaRPr lang="en-US" dirty="0"/>
+                    </a:p>
+                  </a:txBody>
+                  <a:tcPr/>
+                </a:tc>
               </a:tr>
-              <a:tr h="606038">
+              <a:tr h="437451">
+                <a:tc>
+                  <a:txBody>
+                    <a:bodyPr/>
+                    <a:lstStyle/>
+                    <a:p>
+                      <a:r>
+                        <a:rPr lang="en-US" dirty="0" smtClean="0"/>
+                        <a:t>Student 3</a:t>
+                      </a:r>
+                      <a:endParaRPr lang="en-US" dirty="0"/>
+                    </a:p>
+                  </a:txBody>
+                  <a:tcPr/>
+                </a:tc>
+                <a:tc>
+                  <a:txBody>
+                    <a:bodyPr/>
+                    <a:lstStyle/>
+                    <a:p>
+                      <a:r>
+                        <a:rPr lang="en-US" dirty="0" smtClean="0"/>
+                        <a:t>Assignment 3</a:t>
+                      </a:r>
+                      <a:endParaRPr lang="en-US" dirty="0"/>
+                    </a:p>
+                  </a:txBody>
+                  <a:tcPr/>
+                </a:tc>
+              </a:tr>
+              <a:tr h="437451">
+                <a:tc>
+                  <a:txBody>
+                    <a:bodyPr/>
+                    <a:lstStyle/>
+                    <a:p>
+                      <a:r>
+                        <a:rPr lang="en-US" dirty="0" smtClean="0"/>
+                        <a:t>Student 4</a:t>
+                      </a:r>
+                      <a:endParaRPr lang="en-US" dirty="0"/>
+                    </a:p>
+                  </a:txBody>
+                  <a:tcPr/>
+                </a:tc>
+                <a:tc>
+                  <a:txBody>
+                    <a:bodyPr/>
+                    <a:lstStyle/>
+                    <a:p>
+                      <a:r>
+                        <a:rPr lang="en-US" dirty="0" smtClean="0"/>
+                        <a:t>Assignment 4</a:t>
+                      </a:r>
+                      <a:endParaRPr lang="en-US" dirty="0"/>
+                    </a:p>
+                  </a:txBody>
+                  <a:tcPr/>
+                </a:tc>
+              </a:tr>
+              <a:tr h="437451">
+                <a:tc>
+                  <a:txBody>
+                    <a:bodyPr/>
+                    <a:lstStyle/>
+                    <a:p>
+                      <a:r>
+                        <a:rPr lang="en-US" dirty="0" smtClean="0"/>
+                        <a:t>Student 5 </a:t>
+                      </a:r>
+                      <a:endParaRPr lang="en-US" dirty="0"/>
+                    </a:p>
+                  </a:txBody>
+                  <a:tcPr/>
+                </a:tc>
                 <a:tc>
                   <a:txBody>
                     <a:bodyPr/>
@@ -4041,13 +4749,15 @@
                       </a:r>
                       <a:r>
                         <a:rPr lang="en-US" baseline="0" dirty="0" smtClean="0"/>
-                        <a:t> 2</a:t>
+                        <a:t> 5</a:t>
                       </a:r>
                       <a:endParaRPr lang="en-US" dirty="0"/>
                     </a:p>
                   </a:txBody>
                   <a:tcPr/>
                 </a:tc>
+              </a:tr>
+              <a:tr h="437451">
                 <a:tc>
                   <a:txBody>
                     <a:bodyPr/>
@@ -4055,113 +4765,17 @@
                     <a:p>
                       <a:r>
                         <a:rPr lang="en-US" dirty="0" smtClean="0"/>
-                        <a:t>100/100</a:t>
+                        <a:t>Student</a:t>
+                      </a:r>
+                      <a:r>
+                        <a:rPr lang="en-US" baseline="0" dirty="0" smtClean="0"/>
+                        <a:t> 6</a:t>
                       </a:r>
                       <a:endParaRPr lang="en-US" dirty="0"/>
                     </a:p>
                   </a:txBody>
                   <a:tcPr/>
                 </a:tc>
-              </a:tr>
-              <a:tr h="606038">
-                <a:tc>
-                  <a:txBody>
-                    <a:bodyPr/>
-                    <a:lstStyle/>
-                    <a:p>
-                      <a:endParaRPr lang="en-US"/>
-                    </a:p>
-                  </a:txBody>
-                  <a:tcPr/>
-                </a:tc>
-                <a:tc>
-                  <a:txBody>
-                    <a:bodyPr/>
-                    <a:lstStyle/>
-                    <a:p>
-                      <a:endParaRPr lang="en-US"/>
-                    </a:p>
-                  </a:txBody>
-                  <a:tcPr/>
-                </a:tc>
-              </a:tr>
-              <a:tr h="606038">
-                <a:tc>
-                  <a:txBody>
-                    <a:bodyPr/>
-                    <a:lstStyle/>
-                    <a:p>
-                      <a:endParaRPr lang="en-US"/>
-                    </a:p>
-                  </a:txBody>
-                  <a:tcPr/>
-                </a:tc>
-                <a:tc>
-                  <a:txBody>
-                    <a:bodyPr/>
-                    <a:lstStyle/>
-                    <a:p>
-                      <a:endParaRPr lang="en-US"/>
-                    </a:p>
-                  </a:txBody>
-                  <a:tcPr/>
-                </a:tc>
-              </a:tr>
-              <a:tr h="606038">
-                <a:tc>
-                  <a:txBody>
-                    <a:bodyPr/>
-                    <a:lstStyle/>
-                    <a:p>
-                      <a:endParaRPr lang="en-US"/>
-                    </a:p>
-                  </a:txBody>
-                  <a:tcPr/>
-                </a:tc>
-                <a:tc>
-                  <a:txBody>
-                    <a:bodyPr/>
-                    <a:lstStyle/>
-                    <a:p>
-                      <a:endParaRPr lang="en-US"/>
-                    </a:p>
-                  </a:txBody>
-                  <a:tcPr/>
-                </a:tc>
-              </a:tr>
-              <a:tr h="606038">
-                <a:tc>
-                  <a:txBody>
-                    <a:bodyPr/>
-                    <a:lstStyle/>
-                    <a:p>
-                      <a:endParaRPr lang="en-US"/>
-                    </a:p>
-                  </a:txBody>
-                  <a:tcPr/>
-                </a:tc>
-                <a:tc>
-                  <a:txBody>
-                    <a:bodyPr/>
-                    <a:lstStyle/>
-                    <a:p>
-                      <a:endParaRPr lang="en-US"/>
-                    </a:p>
-                  </a:txBody>
-                  <a:tcPr/>
-                </a:tc>
-              </a:tr>
-              <a:tr h="606038">
-                <a:tc>
-                  <a:txBody>
-                    <a:bodyPr/>
-                    <a:lstStyle/>
-                    <a:p>
-                      <a:endParaRPr lang="en-US"/>
-                    </a:p>
-                  </a:txBody>
-                  <a:tcPr/>
-                </a:tc>
                 <a:tc>
                   <a:txBody>
                     <a:bodyPr/>
@@ -4169,7 +4783,45 @@
                     <a:p>
                       <a:r>
                         <a:rPr lang="en-US" dirty="0" smtClean="0"/>
-                        <a:t>Total: 100/100</a:t>
+                        <a:t>Assignment</a:t>
+                      </a:r>
+                      <a:r>
+                        <a:rPr lang="en-US" baseline="0" dirty="0" smtClean="0"/>
+                        <a:t> 6</a:t>
+                      </a:r>
+                      <a:endParaRPr lang="en-US" dirty="0"/>
+                    </a:p>
+                  </a:txBody>
+                  <a:tcPr/>
+                </a:tc>
+              </a:tr>
+              <a:tr h="437451">
+                <a:tc>
+                  <a:txBody>
+                    <a:bodyPr/>
+                    <a:lstStyle/>
+                    <a:p>
+                      <a:r>
+                        <a:rPr lang="en-US" dirty="0" smtClean="0"/>
+                        <a:t>Student 7</a:t>
+                      </a:r>
+                      <a:endParaRPr lang="en-US" dirty="0"/>
+                    </a:p>
+                  </a:txBody>
+                  <a:tcPr/>
+                </a:tc>
+                <a:tc>
+                  <a:txBody>
+                    <a:bodyPr/>
+                    <a:lstStyle/>
+                    <a:p>
+                      <a:r>
+                        <a:rPr lang="en-US" dirty="0" smtClean="0"/>
+                        <a:t>Assignment</a:t>
+                      </a:r>
+                      <a:r>
+                        <a:rPr lang="en-US" baseline="0" dirty="0" smtClean="0"/>
+                        <a:t> 7</a:t>
                       </a:r>
                       <a:endParaRPr lang="en-US" dirty="0"/>
                     </a:p>
@@ -4183,52 +4835,440 @@
       </p:graphicFrame>
       <p:sp>
         <p:nvSpPr>
-          <p:cNvPr id="9" name="TextBox 8"/>
-          <p:cNvSpPr txBox="1"/>
+          <p:cNvPr id="9" name="Rectangle 8"/>
+          <p:cNvSpPr/>
           <p:nvPr/>
         </p:nvSpPr>
         <p:spPr>
           <a:xfrm>
-            <a:off x="1923392" y="610939"/>
-            <a:ext cx="1497724" cy="461665"/>
+            <a:off x="2136225" y="5254001"/>
+            <a:ext cx="1973315" cy="293915"/>
           </a:xfrm>
           <a:prstGeom prst="rect">
             <a:avLst/>
           </a:prstGeom>
           <a:noFill/>
         </p:spPr>
+        <p:style>
+          <a:lnRef idx="2">
+            <a:schemeClr val="accent1">
+              <a:shade val="50000"/>
+            </a:schemeClr>
+          </a:lnRef>
+          <a:fillRef idx="1">
+            <a:schemeClr val="accent1"/>
+          </a:fillRef>
+          <a:effectRef idx="0">
+            <a:schemeClr val="accent1"/>
+          </a:effectRef>
+          <a:fontRef idx="minor">
+            <a:schemeClr val="lt1"/>
+          </a:fontRef>
+        </p:style>
+        <p:txBody>
+          <a:bodyPr rtlCol="0" anchor="ctr"/>
+          <a:lstStyle/>
+          <a:p>
+            <a:pPr algn="ctr"/>
+            <a:endParaRPr lang="en-US"/>
+          </a:p>
+        </p:txBody>
+      </p:sp>
+      <p:sp>
+        <p:nvSpPr>
+          <p:cNvPr id="2" name="TextBox 1"/>
+          <p:cNvSpPr txBox="1"/>
+          <p:nvPr/>
+        </p:nvSpPr>
+        <p:spPr>
+          <a:xfrm>
+            <a:off x="2163254" y="5209362"/>
+            <a:ext cx="1946286" cy="338554"/>
+          </a:xfrm>
+          <a:prstGeom prst="rect">
+            <a:avLst/>
+          </a:prstGeom>
+          <a:noFill/>
+        </p:spPr>
         <p:txBody>
           <a:bodyPr wrap="square" rtlCol="0">
             <a:spAutoFit/>
           </a:bodyPr>
           <a:lstStyle/>
           <a:p>
-            <a:r>
-              <a:rPr lang="en-US" sz="2400" dirty="0" smtClean="0">
-                <a:solidFill>
-                  <a:schemeClr val="accent4">
-                    <a:lumMod val="60000"/>
-                    <a:lumOff val="40000"/>
-                  </a:schemeClr>
-                </a:solidFill>
-              </a:rPr>
-              <a:t>Student 1</a:t>
-            </a:r>
-            <a:endParaRPr lang="en-US" sz="2400" dirty="0">
-              <a:solidFill>
-                <a:schemeClr val="accent4">
-                  <a:lumMod val="60000"/>
-                  <a:lumOff val="40000"/>
-                </a:schemeClr>
-              </a:solidFill>
-            </a:endParaRPr>
+            <a:pPr algn="ctr"/>
+            <a:r>
+              <a:rPr lang="en-US" sz="1600" dirty="0" smtClean="0"/>
+              <a:t>Add Student</a:t>
+            </a:r>
+            <a:endParaRPr lang="en-US" sz="1600" dirty="0"/>
+          </a:p>
+        </p:txBody>
+      </p:sp>
+      <p:sp>
+        <p:nvSpPr>
+          <p:cNvPr id="12" name="Rectangle 11"/>
+          <p:cNvSpPr/>
+          <p:nvPr/>
+        </p:nvSpPr>
+        <p:spPr>
+          <a:xfrm>
+            <a:off x="2136225" y="5755625"/>
+            <a:ext cx="1973315" cy="293915"/>
+          </a:xfrm>
+          <a:prstGeom prst="rect">
+            <a:avLst/>
+          </a:prstGeom>
+          <a:noFill/>
+        </p:spPr>
+        <p:style>
+          <a:lnRef idx="2">
+            <a:schemeClr val="accent1">
+              <a:shade val="50000"/>
+            </a:schemeClr>
+          </a:lnRef>
+          <a:fillRef idx="1">
+            <a:schemeClr val="accent1"/>
+          </a:fillRef>
+          <a:effectRef idx="0">
+            <a:schemeClr val="accent1"/>
+          </a:effectRef>
+          <a:fontRef idx="minor">
+            <a:schemeClr val="lt1"/>
+          </a:fontRef>
+        </p:style>
+        <p:txBody>
+          <a:bodyPr rtlCol="0" anchor="ctr"/>
+          <a:lstStyle/>
+          <a:p>
+            <a:pPr algn="ctr"/>
+            <a:endParaRPr lang="en-US"/>
+          </a:p>
+        </p:txBody>
+      </p:sp>
+      <p:sp>
+        <p:nvSpPr>
+          <p:cNvPr id="13" name="Rectangle 12"/>
+          <p:cNvSpPr/>
+          <p:nvPr/>
+        </p:nvSpPr>
+        <p:spPr>
+          <a:xfrm>
+            <a:off x="2136226" y="6270171"/>
+            <a:ext cx="1973314" cy="293915"/>
+          </a:xfrm>
+          <a:prstGeom prst="rect">
+            <a:avLst/>
+          </a:prstGeom>
+          <a:noFill/>
+        </p:spPr>
+        <p:style>
+          <a:lnRef idx="2">
+            <a:schemeClr val="accent1">
+              <a:shade val="50000"/>
+            </a:schemeClr>
+          </a:lnRef>
+          <a:fillRef idx="1">
+            <a:schemeClr val="accent1"/>
+          </a:fillRef>
+          <a:effectRef idx="0">
+            <a:schemeClr val="accent1"/>
+          </a:effectRef>
+          <a:fontRef idx="minor">
+            <a:schemeClr val="lt1"/>
+          </a:fontRef>
+        </p:style>
+        <p:txBody>
+          <a:bodyPr rtlCol="0" anchor="ctr"/>
+          <a:lstStyle/>
+          <a:p>
+            <a:pPr algn="ctr"/>
+            <a:endParaRPr lang="en-US"/>
+          </a:p>
+        </p:txBody>
+      </p:sp>
+      <p:sp>
+        <p:nvSpPr>
+          <p:cNvPr id="14" name="TextBox 13"/>
+          <p:cNvSpPr txBox="1"/>
+          <p:nvPr/>
+        </p:nvSpPr>
+        <p:spPr>
+          <a:xfrm>
+            <a:off x="2517595" y="5739766"/>
+            <a:ext cx="1591945" cy="338554"/>
+          </a:xfrm>
+          <a:prstGeom prst="rect">
+            <a:avLst/>
+          </a:prstGeom>
+          <a:noFill/>
+        </p:spPr>
+        <p:txBody>
+          <a:bodyPr wrap="square" rtlCol="0">
+            <a:spAutoFit/>
+          </a:bodyPr>
+          <a:lstStyle/>
+          <a:p>
+            <a:pPr algn="ctr"/>
+            <a:r>
+              <a:rPr lang="en-US" sz="1600" dirty="0" smtClean="0"/>
+              <a:t>Edit Student</a:t>
+            </a:r>
+            <a:endParaRPr lang="en-US" sz="1600" dirty="0"/>
+          </a:p>
+        </p:txBody>
+      </p:sp>
+      <p:sp>
+        <p:nvSpPr>
+          <p:cNvPr id="15" name="TextBox 14"/>
+          <p:cNvSpPr txBox="1"/>
+          <p:nvPr/>
+        </p:nvSpPr>
+        <p:spPr>
+          <a:xfrm>
+            <a:off x="2149740" y="6257249"/>
+            <a:ext cx="1959800" cy="338554"/>
+          </a:xfrm>
+          <a:prstGeom prst="rect">
+            <a:avLst/>
+          </a:prstGeom>
+          <a:noFill/>
+        </p:spPr>
+        <p:txBody>
+          <a:bodyPr wrap="square" rtlCol="0">
+            <a:spAutoFit/>
+          </a:bodyPr>
+          <a:lstStyle/>
+          <a:p>
+            <a:pPr algn="ctr"/>
+            <a:r>
+              <a:rPr lang="en-US" sz="1600" dirty="0" smtClean="0"/>
+              <a:t>Remove Student</a:t>
+            </a:r>
+            <a:endParaRPr lang="en-US" sz="1600" dirty="0"/>
+          </a:p>
+        </p:txBody>
+      </p:sp>
+      <p:sp>
+        <p:nvSpPr>
+          <p:cNvPr id="16" name="Rectangle 15"/>
+          <p:cNvSpPr/>
+          <p:nvPr/>
+        </p:nvSpPr>
+        <p:spPr>
+          <a:xfrm>
+            <a:off x="8199570" y="5210301"/>
+            <a:ext cx="1986828" cy="293915"/>
+          </a:xfrm>
+          <a:prstGeom prst="rect">
+            <a:avLst/>
+          </a:prstGeom>
+          <a:noFill/>
+        </p:spPr>
+        <p:style>
+          <a:lnRef idx="2">
+            <a:schemeClr val="accent1">
+              <a:shade val="50000"/>
+            </a:schemeClr>
+          </a:lnRef>
+          <a:fillRef idx="1">
+            <a:schemeClr val="accent1"/>
+          </a:fillRef>
+          <a:effectRef idx="0">
+            <a:schemeClr val="accent1"/>
+          </a:effectRef>
+          <a:fontRef idx="minor">
+            <a:schemeClr val="lt1"/>
+          </a:fontRef>
+        </p:style>
+        <p:txBody>
+          <a:bodyPr rtlCol="0" anchor="ctr"/>
+          <a:lstStyle/>
+          <a:p>
+            <a:pPr algn="ctr"/>
+            <a:endParaRPr lang="en-US"/>
+          </a:p>
+        </p:txBody>
+      </p:sp>
+      <p:sp>
+        <p:nvSpPr>
+          <p:cNvPr id="18" name="TextBox 17"/>
+          <p:cNvSpPr txBox="1"/>
+          <p:nvPr/>
+        </p:nvSpPr>
+        <p:spPr>
+          <a:xfrm>
+            <a:off x="8213084" y="5166672"/>
+            <a:ext cx="1986828" cy="338554"/>
+          </a:xfrm>
+          <a:prstGeom prst="rect">
+            <a:avLst/>
+          </a:prstGeom>
+          <a:noFill/>
+        </p:spPr>
+        <p:txBody>
+          <a:bodyPr wrap="square" rtlCol="0">
+            <a:spAutoFit/>
+          </a:bodyPr>
+          <a:lstStyle/>
+          <a:p>
+            <a:pPr algn="ctr"/>
+            <a:r>
+              <a:rPr lang="en-US" sz="1600" dirty="0" smtClean="0"/>
+              <a:t>Add Assignment</a:t>
+            </a:r>
+            <a:endParaRPr lang="en-US" sz="1600" dirty="0"/>
+          </a:p>
+        </p:txBody>
+      </p:sp>
+      <p:sp>
+        <p:nvSpPr>
+          <p:cNvPr id="19" name="Rectangle 18"/>
+          <p:cNvSpPr/>
+          <p:nvPr/>
+        </p:nvSpPr>
+        <p:spPr>
+          <a:xfrm>
+            <a:off x="8199569" y="5744740"/>
+            <a:ext cx="1986829" cy="293915"/>
+          </a:xfrm>
+          <a:prstGeom prst="rect">
+            <a:avLst/>
+          </a:prstGeom>
+          <a:noFill/>
+        </p:spPr>
+        <p:style>
+          <a:lnRef idx="2">
+            <a:schemeClr val="accent1">
+              <a:shade val="50000"/>
+            </a:schemeClr>
+          </a:lnRef>
+          <a:fillRef idx="1">
+            <a:schemeClr val="accent1"/>
+          </a:fillRef>
+          <a:effectRef idx="0">
+            <a:schemeClr val="accent1"/>
+          </a:effectRef>
+          <a:fontRef idx="minor">
+            <a:schemeClr val="lt1"/>
+          </a:fontRef>
+        </p:style>
+        <p:txBody>
+          <a:bodyPr rtlCol="0" anchor="ctr"/>
+          <a:lstStyle/>
+          <a:p>
+            <a:pPr algn="ctr"/>
+            <a:endParaRPr lang="en-US"/>
+          </a:p>
+        </p:txBody>
+      </p:sp>
+      <p:sp>
+        <p:nvSpPr>
+          <p:cNvPr id="20" name="TextBox 19"/>
+          <p:cNvSpPr txBox="1"/>
+          <p:nvPr/>
+        </p:nvSpPr>
+        <p:spPr>
+          <a:xfrm>
+            <a:off x="8199570" y="5755625"/>
+            <a:ext cx="1986828" cy="338554"/>
+          </a:xfrm>
+          <a:prstGeom prst="rect">
+            <a:avLst/>
+          </a:prstGeom>
+          <a:noFill/>
+        </p:spPr>
+        <p:txBody>
+          <a:bodyPr wrap="square" rtlCol="0">
+            <a:spAutoFit/>
+          </a:bodyPr>
+          <a:lstStyle/>
+          <a:p>
+            <a:pPr algn="ctr"/>
+            <a:r>
+              <a:rPr lang="en-US" sz="1600" dirty="0" smtClean="0"/>
+              <a:t>Edit Assignment</a:t>
+            </a:r>
+            <a:endParaRPr lang="en-US" sz="1600" dirty="0"/>
+          </a:p>
+        </p:txBody>
+      </p:sp>
+      <p:sp>
+        <p:nvSpPr>
+          <p:cNvPr id="21" name="Rectangle 20"/>
+          <p:cNvSpPr/>
+          <p:nvPr/>
+        </p:nvSpPr>
+        <p:spPr>
+          <a:xfrm>
+            <a:off x="8193938" y="6270170"/>
+            <a:ext cx="1992460" cy="293915"/>
+          </a:xfrm>
+          <a:prstGeom prst="rect">
+            <a:avLst/>
+          </a:prstGeom>
+          <a:noFill/>
+        </p:spPr>
+        <p:style>
+          <a:lnRef idx="2">
+            <a:schemeClr val="accent1">
+              <a:shade val="50000"/>
+            </a:schemeClr>
+          </a:lnRef>
+          <a:fillRef idx="1">
+            <a:schemeClr val="accent1"/>
+          </a:fillRef>
+          <a:effectRef idx="0">
+            <a:schemeClr val="accent1"/>
+          </a:effectRef>
+          <a:fontRef idx="minor">
+            <a:schemeClr val="lt1"/>
+          </a:fontRef>
+        </p:style>
+        <p:txBody>
+          <a:bodyPr rtlCol="0" anchor="ctr"/>
+          <a:lstStyle/>
+          <a:p>
+            <a:pPr algn="ctr"/>
+            <a:endParaRPr lang="en-US"/>
+          </a:p>
+        </p:txBody>
+      </p:sp>
+      <p:sp>
+        <p:nvSpPr>
+          <p:cNvPr id="22" name="TextBox 21"/>
+          <p:cNvSpPr txBox="1"/>
+          <p:nvPr/>
+        </p:nvSpPr>
+        <p:spPr>
+          <a:xfrm>
+            <a:off x="8196938" y="6225531"/>
+            <a:ext cx="1989460" cy="338554"/>
+          </a:xfrm>
+          <a:prstGeom prst="rect">
+            <a:avLst/>
+          </a:prstGeom>
+          <a:noFill/>
+        </p:spPr>
+        <p:txBody>
+          <a:bodyPr wrap="square" rtlCol="0">
+            <a:spAutoFit/>
+          </a:bodyPr>
+          <a:lstStyle/>
+          <a:p>
+            <a:pPr algn="ctr"/>
+            <a:r>
+              <a:rPr lang="en-US" sz="1600" dirty="0" smtClean="0"/>
+              <a:t>Remove Assignment</a:t>
+            </a:r>
+            <a:endParaRPr lang="en-US" sz="1600" dirty="0"/>
           </a:p>
         </p:txBody>
       </p:sp>
     </p:spTree>
     <p:extLst>
       <p:ext uri="{BB962C8B-B14F-4D97-AF65-F5344CB8AC3E}">
-        <p14:creationId xmlns:p14="http://schemas.microsoft.com/office/powerpoint/2010/main" val="2862520828"/>
+        <p14:creationId xmlns:p14="http://schemas.microsoft.com/office/powerpoint/2010/main" val="4269290566"/>
       </p:ext>
     </p:extLst>
   </p:cSld>
@@ -4245,7 +5285,60 @@
 </p:sld>
 </file>
 
-<file path=ppt/slides/slide4.xml><?xml version="1.0" encoding="utf-8"?>
+<file path=ppt/slides/slide5.xml><?xml version="1.0" encoding="utf-8"?>
+<p:sld xmlns:a="http://schemas.openxmlformats.org/drawingml/2006/main" xmlns:r="http://schemas.openxmlformats.org/officeDocument/2006/relationships" xmlns:p="http://schemas.openxmlformats.org/presentationml/2006/main">
+  <p:cSld>
+    <p:spTree>
+      <p:nvGrpSpPr>
+        <p:cNvPr id="1" name=""/>
+        <p:cNvGrpSpPr/>
+        <p:nvPr/>
+      </p:nvGrpSpPr>
+      <p:grpSpPr>
+        <a:xfrm>
+          <a:off x="0" y="0"/>
+          <a:ext cx="0" cy="0"/>
+          <a:chOff x="0" y="0"/>
+          <a:chExt cx="0" cy="0"/>
+        </a:xfrm>
+      </p:grpSpPr>
+      <p:sp>
+        <p:nvSpPr>
+          <p:cNvPr id="2" name="Title 1"/>
+          <p:cNvSpPr>
+            <a:spLocks noGrp="1"/>
+          </p:cNvSpPr>
+          <p:nvPr>
+            <p:ph type="title"/>
+          </p:nvPr>
+        </p:nvSpPr>
+        <p:spPr/>
+        <p:txBody>
+          <a:bodyPr/>
+          <a:lstStyle/>
+          <a:p>
+            <a:r>
+              <a:rPr lang="en-US" dirty="0" smtClean="0"/>
+              <a:t>The next slide views Student 1’s assignments grades</a:t>
+            </a:r>
+            <a:endParaRPr lang="en-US" dirty="0"/>
+          </a:p>
+        </p:txBody>
+      </p:sp>
+    </p:spTree>
+    <p:extLst>
+      <p:ext uri="{BB962C8B-B14F-4D97-AF65-F5344CB8AC3E}">
+        <p14:creationId xmlns:p14="http://schemas.microsoft.com/office/powerpoint/2010/main" val="4194515283"/>
+      </p:ext>
+    </p:extLst>
+  </p:cSld>
+  <p:clrMapOvr>
+    <a:masterClrMapping/>
+  </p:clrMapOvr>
+</p:sld>
+</file>
+
+<file path=ppt/slides/slide6.xml><?xml version="1.0" encoding="utf-8"?>
 <p:sld xmlns:a="http://schemas.openxmlformats.org/drawingml/2006/main" xmlns:r="http://schemas.openxmlformats.org/officeDocument/2006/relationships" xmlns:p="http://schemas.openxmlformats.org/presentationml/2006/main">
   <p:cSld>
     <p:spTree>
@@ -4448,7 +5541,7 @@
           <p:nvPr>
             <p:extLst>
               <p:ext uri="{D42A27DB-BD31-4B8C-83A1-F6EECF244321}">
-                <p14:modId xmlns:p14="http://schemas.microsoft.com/office/powerpoint/2010/main" val="4251350689"/>
+                <p14:modId xmlns:p14="http://schemas.microsoft.com/office/powerpoint/2010/main" val="3194015571"/>
               </p:ext>
             </p:extLst>
           </p:nvPr>
@@ -4464,8 +5557,10 @@
                 <a:tableStyleId>{5C22544A-7EE6-4342-B048-85BDC9FD1C3A}</a:tableStyleId>
               </a:tblPr>
               <a:tblGrid>
-                <a:gridCol w="9782505"/>
-                <a:gridCol w="1954923"/>
+                <a:gridCol w="4193864"/>
+                <a:gridCol w="2510446"/>
+                <a:gridCol w="2510446"/>
+                <a:gridCol w="2522672"/>
               </a:tblGrid>
               <a:tr h="606038">
                 <a:tc>
@@ -4483,7 +5578,7 @@
                             </a:schemeClr>
                           </a:solidFill>
                         </a:rPr>
-                        <a:t>STUDENTS</a:t>
+                        <a:t>Student 1 - Assignments</a:t>
                       </a:r>
                       <a:endParaRPr lang="en-US" sz="2400" dirty="0">
                         <a:solidFill>
@@ -4512,7 +5607,7 @@
                             </a:schemeClr>
                           </a:solidFill>
                         </a:rPr>
-                        <a:t>GRADES</a:t>
+                        <a:t>Date Submitted</a:t>
                       </a:r>
                       <a:endParaRPr lang="en-US" sz="2400" dirty="0">
                         <a:solidFill>
@@ -4526,6 +5621,920 @@
                   </a:txBody>
                   <a:tcPr/>
                 </a:tc>
+                <a:tc>
+                  <a:txBody>
+                    <a:bodyPr/>
+                    <a:lstStyle/>
+                    <a:p>
+                      <a:pPr algn="ctr"/>
+                      <a:r>
+                        <a:rPr lang="en-US" sz="2400" dirty="0" smtClean="0">
+                          <a:solidFill>
+                            <a:schemeClr val="accent4">
+                              <a:lumMod val="60000"/>
+                              <a:lumOff val="40000"/>
+                            </a:schemeClr>
+                          </a:solidFill>
+                        </a:rPr>
+                        <a:t>Comments</a:t>
+                      </a:r>
+                      <a:endParaRPr lang="en-US" sz="2400" dirty="0">
+                        <a:solidFill>
+                          <a:schemeClr val="accent4">
+                            <a:lumMod val="60000"/>
+                            <a:lumOff val="40000"/>
+                          </a:schemeClr>
+                        </a:solidFill>
+                      </a:endParaRPr>
+                    </a:p>
+                  </a:txBody>
+                  <a:tcPr/>
+                </a:tc>
+                <a:tc>
+                  <a:txBody>
+                    <a:bodyPr/>
+                    <a:lstStyle/>
+                    <a:p>
+                      <a:pPr algn="ctr"/>
+                      <a:r>
+                        <a:rPr lang="en-US" sz="2400" dirty="0" smtClean="0">
+                          <a:solidFill>
+                            <a:schemeClr val="accent4">
+                              <a:lumMod val="60000"/>
+                              <a:lumOff val="40000"/>
+                            </a:schemeClr>
+                          </a:solidFill>
+                        </a:rPr>
+                        <a:t>Grades</a:t>
+                      </a:r>
+                      <a:endParaRPr lang="en-US" sz="2400" dirty="0">
+                        <a:solidFill>
+                          <a:schemeClr val="accent4">
+                            <a:lumMod val="60000"/>
+                            <a:lumOff val="40000"/>
+                          </a:schemeClr>
+                        </a:solidFill>
+                      </a:endParaRPr>
+                    </a:p>
+                  </a:txBody>
+                  <a:tcPr/>
+                </a:tc>
+              </a:tr>
+              <a:tr h="606038">
+                <a:tc>
+                  <a:txBody>
+                    <a:bodyPr/>
+                    <a:lstStyle/>
+                    <a:p>
+                      <a:r>
+                        <a:rPr lang="en-US" dirty="0" smtClean="0"/>
+                        <a:t>Assignment</a:t>
+                      </a:r>
+                      <a:r>
+                        <a:rPr lang="en-US" baseline="0" dirty="0" smtClean="0"/>
+                        <a:t> 1</a:t>
+                      </a:r>
+                      <a:endParaRPr lang="en-US" dirty="0" smtClean="0"/>
+                    </a:p>
+                  </a:txBody>
+                  <a:tcPr/>
+                </a:tc>
+                <a:tc>
+                  <a:txBody>
+                    <a:bodyPr/>
+                    <a:lstStyle/>
+                    <a:p>
+                      <a:r>
+                        <a:rPr lang="en-US" dirty="0" smtClean="0"/>
+                        <a:t> 1/1/2015</a:t>
+                      </a:r>
+                      <a:endParaRPr lang="en-US" dirty="0" smtClean="0"/>
+                    </a:p>
+                  </a:txBody>
+                  <a:tcPr/>
+                </a:tc>
+                <a:tc>
+                  <a:txBody>
+                    <a:bodyPr/>
+                    <a:lstStyle/>
+                    <a:p>
+                      <a:r>
+                        <a:rPr lang="en-US" dirty="0" smtClean="0"/>
+                        <a:t>Eh.</a:t>
+                      </a:r>
+                      <a:endParaRPr lang="en-US" dirty="0" smtClean="0"/>
+                    </a:p>
+                  </a:txBody>
+                  <a:tcPr/>
+                </a:tc>
+                <a:tc>
+                  <a:txBody>
+                    <a:bodyPr/>
+                    <a:lstStyle/>
+                    <a:p>
+                      <a:r>
+                        <a:rPr lang="en-US" dirty="0" smtClean="0"/>
+                        <a:t>100/100</a:t>
+                      </a:r>
+                      <a:endParaRPr lang="en-US" dirty="0"/>
+                    </a:p>
+                  </a:txBody>
+                  <a:tcPr/>
+                </a:tc>
+              </a:tr>
+              <a:tr h="606038">
+                <a:tc>
+                  <a:txBody>
+                    <a:bodyPr/>
+                    <a:lstStyle/>
+                    <a:p>
+                      <a:r>
+                        <a:rPr lang="en-US" dirty="0" smtClean="0"/>
+                        <a:t>Assignment</a:t>
+                      </a:r>
+                      <a:r>
+                        <a:rPr lang="en-US" baseline="0" dirty="0" smtClean="0"/>
+                        <a:t> 2</a:t>
+                      </a:r>
+                      <a:endParaRPr lang="en-US" dirty="0"/>
+                    </a:p>
+                  </a:txBody>
+                  <a:tcPr/>
+                </a:tc>
+                <a:tc>
+                  <a:txBody>
+                    <a:bodyPr/>
+                    <a:lstStyle/>
+                    <a:p>
+                      <a:r>
+                        <a:rPr lang="en-US" dirty="0" smtClean="0"/>
+                        <a:t>1/8/2015</a:t>
+                      </a:r>
+                      <a:endParaRPr lang="en-US" dirty="0"/>
+                    </a:p>
+                  </a:txBody>
+                  <a:tcPr/>
+                </a:tc>
+                <a:tc>
+                  <a:txBody>
+                    <a:bodyPr/>
+                    <a:lstStyle/>
+                    <a:p>
+                      <a:r>
+                        <a:rPr lang="en-US" dirty="0" smtClean="0"/>
+                        <a:t>Not too bad.</a:t>
+                      </a:r>
+                      <a:endParaRPr lang="en-US" dirty="0"/>
+                    </a:p>
+                  </a:txBody>
+                  <a:tcPr/>
+                </a:tc>
+                <a:tc>
+                  <a:txBody>
+                    <a:bodyPr/>
+                    <a:lstStyle/>
+                    <a:p>
+                      <a:r>
+                        <a:rPr lang="en-US" dirty="0" smtClean="0"/>
+                        <a:t>100/100</a:t>
+                      </a:r>
+                      <a:endParaRPr lang="en-US" dirty="0"/>
+                    </a:p>
+                  </a:txBody>
+                  <a:tcPr/>
+                </a:tc>
+              </a:tr>
+              <a:tr h="606038">
+                <a:tc>
+                  <a:txBody>
+                    <a:bodyPr/>
+                    <a:lstStyle/>
+                    <a:p>
+                      <a:endParaRPr lang="en-US" dirty="0"/>
+                    </a:p>
+                  </a:txBody>
+                  <a:tcPr/>
+                </a:tc>
+                <a:tc>
+                  <a:txBody>
+                    <a:bodyPr/>
+                    <a:lstStyle/>
+                    <a:p>
+                      <a:endParaRPr lang="en-US" dirty="0"/>
+                    </a:p>
+                  </a:txBody>
+                  <a:tcPr/>
+                </a:tc>
+                <a:tc>
+                  <a:txBody>
+                    <a:bodyPr/>
+                    <a:lstStyle/>
+                    <a:p>
+                      <a:endParaRPr lang="en-US" dirty="0"/>
+                    </a:p>
+                  </a:txBody>
+                  <a:tcPr/>
+                </a:tc>
+                <a:tc>
+                  <a:txBody>
+                    <a:bodyPr/>
+                    <a:lstStyle/>
+                    <a:p>
+                      <a:endParaRPr lang="en-US"/>
+                    </a:p>
+                  </a:txBody>
+                  <a:tcPr/>
+                </a:tc>
+              </a:tr>
+              <a:tr h="606038">
+                <a:tc>
+                  <a:txBody>
+                    <a:bodyPr/>
+                    <a:lstStyle/>
+                    <a:p>
+                      <a:endParaRPr lang="en-US"/>
+                    </a:p>
+                  </a:txBody>
+                  <a:tcPr/>
+                </a:tc>
+                <a:tc>
+                  <a:txBody>
+                    <a:bodyPr/>
+                    <a:lstStyle/>
+                    <a:p>
+                      <a:endParaRPr lang="en-US"/>
+                    </a:p>
+                  </a:txBody>
+                  <a:tcPr/>
+                </a:tc>
+                <a:tc>
+                  <a:txBody>
+                    <a:bodyPr/>
+                    <a:lstStyle/>
+                    <a:p>
+                      <a:endParaRPr lang="en-US"/>
+                    </a:p>
+                  </a:txBody>
+                  <a:tcPr/>
+                </a:tc>
+                <a:tc>
+                  <a:txBody>
+                    <a:bodyPr/>
+                    <a:lstStyle/>
+                    <a:p>
+                      <a:endParaRPr lang="en-US"/>
+                    </a:p>
+                  </a:txBody>
+                  <a:tcPr/>
+                </a:tc>
+              </a:tr>
+              <a:tr h="606038">
+                <a:tc>
+                  <a:txBody>
+                    <a:bodyPr/>
+                    <a:lstStyle/>
+                    <a:p>
+                      <a:endParaRPr lang="en-US"/>
+                    </a:p>
+                  </a:txBody>
+                  <a:tcPr/>
+                </a:tc>
+                <a:tc>
+                  <a:txBody>
+                    <a:bodyPr/>
+                    <a:lstStyle/>
+                    <a:p>
+                      <a:endParaRPr lang="en-US"/>
+                    </a:p>
+                  </a:txBody>
+                  <a:tcPr/>
+                </a:tc>
+                <a:tc>
+                  <a:txBody>
+                    <a:bodyPr/>
+                    <a:lstStyle/>
+                    <a:p>
+                      <a:endParaRPr lang="en-US"/>
+                    </a:p>
+                  </a:txBody>
+                  <a:tcPr/>
+                </a:tc>
+                <a:tc>
+                  <a:txBody>
+                    <a:bodyPr/>
+                    <a:lstStyle/>
+                    <a:p>
+                      <a:endParaRPr lang="en-US"/>
+                    </a:p>
+                  </a:txBody>
+                  <a:tcPr/>
+                </a:tc>
+              </a:tr>
+              <a:tr h="606038">
+                <a:tc>
+                  <a:txBody>
+                    <a:bodyPr/>
+                    <a:lstStyle/>
+                    <a:p>
+                      <a:endParaRPr lang="en-US"/>
+                    </a:p>
+                  </a:txBody>
+                  <a:tcPr/>
+                </a:tc>
+                <a:tc>
+                  <a:txBody>
+                    <a:bodyPr/>
+                    <a:lstStyle/>
+                    <a:p>
+                      <a:endParaRPr lang="en-US"/>
+                    </a:p>
+                  </a:txBody>
+                  <a:tcPr/>
+                </a:tc>
+                <a:tc>
+                  <a:txBody>
+                    <a:bodyPr/>
+                    <a:lstStyle/>
+                    <a:p>
+                      <a:endParaRPr lang="en-US"/>
+                    </a:p>
+                  </a:txBody>
+                  <a:tcPr/>
+                </a:tc>
+                <a:tc>
+                  <a:txBody>
+                    <a:bodyPr/>
+                    <a:lstStyle/>
+                    <a:p>
+                      <a:endParaRPr lang="en-US"/>
+                    </a:p>
+                  </a:txBody>
+                  <a:tcPr/>
+                </a:tc>
+              </a:tr>
+              <a:tr h="606038">
+                <a:tc>
+                  <a:txBody>
+                    <a:bodyPr/>
+                    <a:lstStyle/>
+                    <a:p>
+                      <a:endParaRPr lang="en-US"/>
+                    </a:p>
+                  </a:txBody>
+                  <a:tcPr/>
+                </a:tc>
+                <a:tc>
+                  <a:txBody>
+                    <a:bodyPr/>
+                    <a:lstStyle/>
+                    <a:p>
+                      <a:endParaRPr lang="en-US" dirty="0"/>
+                    </a:p>
+                  </a:txBody>
+                  <a:tcPr/>
+                </a:tc>
+                <a:tc>
+                  <a:txBody>
+                    <a:bodyPr/>
+                    <a:lstStyle/>
+                    <a:p>
+                      <a:endParaRPr lang="en-US" dirty="0"/>
+                    </a:p>
+                  </a:txBody>
+                  <a:tcPr/>
+                </a:tc>
+                <a:tc>
+                  <a:txBody>
+                    <a:bodyPr/>
+                    <a:lstStyle/>
+                    <a:p>
+                      <a:r>
+                        <a:rPr lang="en-US" dirty="0" smtClean="0"/>
+                        <a:t>Total: 100/100</a:t>
+                      </a:r>
+                      <a:endParaRPr lang="en-US" dirty="0"/>
+                    </a:p>
+                  </a:txBody>
+                  <a:tcPr/>
+                </a:tc>
+              </a:tr>
+            </a:tbl>
+          </a:graphicData>
+        </a:graphic>
+      </p:graphicFrame>
+      <p:sp>
+        <p:nvSpPr>
+          <p:cNvPr id="9" name="TextBox 8"/>
+          <p:cNvSpPr txBox="1"/>
+          <p:nvPr/>
+        </p:nvSpPr>
+        <p:spPr>
+          <a:xfrm>
+            <a:off x="1581056" y="595177"/>
+            <a:ext cx="1497724" cy="461665"/>
+          </a:xfrm>
+          <a:prstGeom prst="rect">
+            <a:avLst/>
+          </a:prstGeom>
+          <a:noFill/>
+        </p:spPr>
+        <p:txBody>
+          <a:bodyPr wrap="square" rtlCol="0">
+            <a:spAutoFit/>
+          </a:bodyPr>
+          <a:lstStyle/>
+          <a:p>
+            <a:r>
+              <a:rPr lang="en-US" sz="2400" dirty="0" smtClean="0">
+                <a:solidFill>
+                  <a:schemeClr val="accent4">
+                    <a:lumMod val="60000"/>
+                    <a:lumOff val="40000"/>
+                  </a:schemeClr>
+                </a:solidFill>
+              </a:rPr>
+              <a:t>Students</a:t>
+            </a:r>
+            <a:endParaRPr lang="en-US" sz="2400" dirty="0">
+              <a:solidFill>
+                <a:schemeClr val="accent4">
+                  <a:lumMod val="60000"/>
+                  <a:lumOff val="40000"/>
+                </a:schemeClr>
+              </a:solidFill>
+            </a:endParaRPr>
+          </a:p>
+        </p:txBody>
+      </p:sp>
+      <p:sp>
+        <p:nvSpPr>
+          <p:cNvPr id="10" name="TextBox 9"/>
+          <p:cNvSpPr txBox="1"/>
+          <p:nvPr/>
+        </p:nvSpPr>
+        <p:spPr>
+          <a:xfrm>
+            <a:off x="3224799" y="570761"/>
+            <a:ext cx="1497724" cy="461665"/>
+          </a:xfrm>
+          <a:prstGeom prst="rect">
+            <a:avLst/>
+          </a:prstGeom>
+          <a:noFill/>
+        </p:spPr>
+        <p:txBody>
+          <a:bodyPr wrap="square" rtlCol="0">
+            <a:spAutoFit/>
+          </a:bodyPr>
+          <a:lstStyle/>
+          <a:p>
+            <a:r>
+              <a:rPr lang="en-US" sz="2400" dirty="0" smtClean="0">
+                <a:solidFill>
+                  <a:schemeClr val="accent4">
+                    <a:lumMod val="60000"/>
+                    <a:lumOff val="40000"/>
+                  </a:schemeClr>
+                </a:solidFill>
+              </a:rPr>
+              <a:t>Student 1</a:t>
+            </a:r>
+            <a:endParaRPr lang="en-US" sz="2400" dirty="0">
+              <a:solidFill>
+                <a:schemeClr val="accent4">
+                  <a:lumMod val="60000"/>
+                  <a:lumOff val="40000"/>
+                </a:schemeClr>
+              </a:solidFill>
+            </a:endParaRPr>
+          </a:p>
+        </p:txBody>
+      </p:sp>
+    </p:spTree>
+    <p:extLst>
+      <p:ext uri="{BB962C8B-B14F-4D97-AF65-F5344CB8AC3E}">
+        <p14:creationId xmlns:p14="http://schemas.microsoft.com/office/powerpoint/2010/main" val="2862520828"/>
+      </p:ext>
+    </p:extLst>
+  </p:cSld>
+  <p:clrMapOvr>
+    <a:masterClrMapping/>
+  </p:clrMapOvr>
+  <p:timing>
+    <p:tnLst>
+      <p:par>
+        <p:cTn id="1" dur="indefinite" restart="never" nodeType="tmRoot"/>
+      </p:par>
+    </p:tnLst>
+  </p:timing>
+</p:sld>
+</file>
+
+<file path=ppt/slides/slide7.xml><?xml version="1.0" encoding="utf-8"?>
+<p:sld xmlns:a="http://schemas.openxmlformats.org/drawingml/2006/main" xmlns:r="http://schemas.openxmlformats.org/officeDocument/2006/relationships" xmlns:p="http://schemas.openxmlformats.org/presentationml/2006/main">
+  <p:cSld>
+    <p:spTree>
+      <p:nvGrpSpPr>
+        <p:cNvPr id="1" name=""/>
+        <p:cNvGrpSpPr/>
+        <p:nvPr/>
+      </p:nvGrpSpPr>
+      <p:grpSpPr>
+        <a:xfrm>
+          <a:off x="0" y="0"/>
+          <a:ext cx="0" cy="0"/>
+          <a:chOff x="0" y="0"/>
+          <a:chExt cx="0" cy="0"/>
+        </a:xfrm>
+      </p:grpSpPr>
+      <p:sp>
+        <p:nvSpPr>
+          <p:cNvPr id="2" name="Title 1"/>
+          <p:cNvSpPr>
+            <a:spLocks noGrp="1"/>
+          </p:cNvSpPr>
+          <p:nvPr>
+            <p:ph type="title"/>
+          </p:nvPr>
+        </p:nvSpPr>
+        <p:spPr/>
+        <p:txBody>
+          <a:bodyPr/>
+          <a:lstStyle/>
+          <a:p>
+            <a:r>
+              <a:rPr lang="en-US" dirty="0" smtClean="0"/>
+              <a:t>The next slide allows the instructor to view all student’s grades for Assignment 1</a:t>
+            </a:r>
+            <a:endParaRPr lang="en-US" dirty="0"/>
+          </a:p>
+        </p:txBody>
+      </p:sp>
+    </p:spTree>
+    <p:extLst>
+      <p:ext uri="{BB962C8B-B14F-4D97-AF65-F5344CB8AC3E}">
+        <p14:creationId xmlns:p14="http://schemas.microsoft.com/office/powerpoint/2010/main" val="1417756555"/>
+      </p:ext>
+    </p:extLst>
+  </p:cSld>
+  <p:clrMapOvr>
+    <a:masterClrMapping/>
+  </p:clrMapOvr>
+</p:sld>
+</file>
+
+<file path=ppt/slides/slide8.xml><?xml version="1.0" encoding="utf-8"?>
+<p:sld xmlns:a="http://schemas.openxmlformats.org/drawingml/2006/main" xmlns:r="http://schemas.openxmlformats.org/officeDocument/2006/relationships" xmlns:p="http://schemas.openxmlformats.org/presentationml/2006/main">
+  <p:cSld>
+    <p:spTree>
+      <p:nvGrpSpPr>
+        <p:cNvPr id="1" name=""/>
+        <p:cNvGrpSpPr/>
+        <p:nvPr/>
+      </p:nvGrpSpPr>
+      <p:grpSpPr>
+        <a:xfrm>
+          <a:off x="0" y="0"/>
+          <a:ext cx="0" cy="0"/>
+          <a:chOff x="0" y="0"/>
+          <a:chExt cx="0" cy="0"/>
+        </a:xfrm>
+      </p:grpSpPr>
+      <p:sp>
+        <p:nvSpPr>
+          <p:cNvPr id="4" name="Rectangle 3"/>
+          <p:cNvSpPr/>
+          <p:nvPr/>
+        </p:nvSpPr>
+        <p:spPr>
+          <a:xfrm>
+            <a:off x="0" y="0"/>
+            <a:ext cx="12191999" cy="1122363"/>
+          </a:xfrm>
+          <a:prstGeom prst="rect">
+            <a:avLst/>
+          </a:prstGeom>
+          <a:solidFill>
+            <a:schemeClr val="accent1">
+              <a:lumMod val="50000"/>
+            </a:schemeClr>
+          </a:solidFill>
+        </p:spPr>
+        <p:style>
+          <a:lnRef idx="2">
+            <a:schemeClr val="accent1">
+              <a:shade val="50000"/>
+            </a:schemeClr>
+          </a:lnRef>
+          <a:fillRef idx="1">
+            <a:schemeClr val="accent1"/>
+          </a:fillRef>
+          <a:effectRef idx="0">
+            <a:schemeClr val="accent1"/>
+          </a:effectRef>
+          <a:fontRef idx="minor">
+            <a:schemeClr val="lt1"/>
+          </a:fontRef>
+        </p:style>
+        <p:txBody>
+          <a:bodyPr rtlCol="0" anchor="ctr"/>
+          <a:lstStyle/>
+          <a:p>
+            <a:pPr algn="ctr"/>
+            <a:endParaRPr lang="en-US"/>
+          </a:p>
+        </p:txBody>
+      </p:sp>
+      <p:sp>
+        <p:nvSpPr>
+          <p:cNvPr id="5" name="TextBox 4"/>
+          <p:cNvSpPr txBox="1"/>
+          <p:nvPr/>
+        </p:nvSpPr>
+        <p:spPr>
+          <a:xfrm>
+            <a:off x="10815146" y="561181"/>
+            <a:ext cx="1497724" cy="461665"/>
+          </a:xfrm>
+          <a:prstGeom prst="rect">
+            <a:avLst/>
+          </a:prstGeom>
+          <a:noFill/>
+        </p:spPr>
+        <p:txBody>
+          <a:bodyPr wrap="square" rtlCol="0">
+            <a:spAutoFit/>
+          </a:bodyPr>
+          <a:lstStyle/>
+          <a:p>
+            <a:r>
+              <a:rPr lang="en-US" sz="2400" dirty="0" smtClean="0">
+                <a:solidFill>
+                  <a:schemeClr val="accent4">
+                    <a:lumMod val="60000"/>
+                    <a:lumOff val="40000"/>
+                  </a:schemeClr>
+                </a:solidFill>
+              </a:rPr>
+              <a:t>Sign Out</a:t>
+            </a:r>
+            <a:endParaRPr lang="en-US" sz="2400" dirty="0">
+              <a:solidFill>
+                <a:schemeClr val="accent4">
+                  <a:lumMod val="60000"/>
+                  <a:lumOff val="40000"/>
+                </a:schemeClr>
+              </a:solidFill>
+            </a:endParaRPr>
+          </a:p>
+        </p:txBody>
+      </p:sp>
+      <p:sp>
+        <p:nvSpPr>
+          <p:cNvPr id="6" name="TextBox 5"/>
+          <p:cNvSpPr txBox="1"/>
+          <p:nvPr/>
+        </p:nvSpPr>
+        <p:spPr>
+          <a:xfrm>
+            <a:off x="212834" y="149274"/>
+            <a:ext cx="1923393" cy="461665"/>
+          </a:xfrm>
+          <a:prstGeom prst="rect">
+            <a:avLst/>
+          </a:prstGeom>
+          <a:noFill/>
+        </p:spPr>
+        <p:txBody>
+          <a:bodyPr wrap="square" rtlCol="0">
+            <a:spAutoFit/>
+          </a:bodyPr>
+          <a:lstStyle/>
+          <a:p>
+            <a:r>
+              <a:rPr lang="en-US" sz="2400" dirty="0" smtClean="0">
+                <a:solidFill>
+                  <a:schemeClr val="accent4">
+                    <a:lumMod val="60000"/>
+                    <a:lumOff val="40000"/>
+                  </a:schemeClr>
+                </a:solidFill>
+              </a:rPr>
+              <a:t>Switch course</a:t>
+            </a:r>
+            <a:endParaRPr lang="en-US" sz="2400" dirty="0">
+              <a:solidFill>
+                <a:schemeClr val="accent4">
+                  <a:lumMod val="60000"/>
+                  <a:lumOff val="40000"/>
+                </a:schemeClr>
+              </a:solidFill>
+            </a:endParaRPr>
+          </a:p>
+        </p:txBody>
+      </p:sp>
+      <p:sp>
+        <p:nvSpPr>
+          <p:cNvPr id="7" name="TextBox 6"/>
+          <p:cNvSpPr txBox="1"/>
+          <p:nvPr/>
+        </p:nvSpPr>
+        <p:spPr>
+          <a:xfrm>
+            <a:off x="212834" y="610939"/>
+            <a:ext cx="1497724" cy="461665"/>
+          </a:xfrm>
+          <a:prstGeom prst="rect">
+            <a:avLst/>
+          </a:prstGeom>
+          <a:noFill/>
+        </p:spPr>
+        <p:txBody>
+          <a:bodyPr wrap="square" rtlCol="0">
+            <a:spAutoFit/>
+          </a:bodyPr>
+          <a:lstStyle/>
+          <a:p>
+            <a:r>
+              <a:rPr lang="en-US" sz="2400" dirty="0" smtClean="0">
+                <a:solidFill>
+                  <a:schemeClr val="accent4">
+                    <a:lumMod val="60000"/>
+                    <a:lumOff val="40000"/>
+                  </a:schemeClr>
+                </a:solidFill>
+              </a:rPr>
+              <a:t>CS 329</a:t>
+            </a:r>
+            <a:endParaRPr lang="en-US" sz="2400" dirty="0">
+              <a:solidFill>
+                <a:schemeClr val="accent4">
+                  <a:lumMod val="60000"/>
+                  <a:lumOff val="40000"/>
+                </a:schemeClr>
+              </a:solidFill>
+            </a:endParaRPr>
+          </a:p>
+        </p:txBody>
+      </p:sp>
+      <p:graphicFrame>
+        <p:nvGraphicFramePr>
+          <p:cNvPr id="8" name="Table 7"/>
+          <p:cNvGraphicFramePr>
+            <a:graphicFrameLocks noGrp="1"/>
+          </p:cNvGraphicFramePr>
+          <p:nvPr>
+            <p:extLst>
+              <p:ext uri="{D42A27DB-BD31-4B8C-83A1-F6EECF244321}">
+                <p14:modId xmlns:p14="http://schemas.microsoft.com/office/powerpoint/2010/main" val="2373398123"/>
+              </p:ext>
+            </p:extLst>
+          </p:nvPr>
+        </p:nvGraphicFramePr>
+        <p:xfrm>
+          <a:off x="212833" y="1584025"/>
+          <a:ext cx="11737427" cy="4848304"/>
+        </p:xfrm>
+        <a:graphic>
+          <a:graphicData uri="http://schemas.openxmlformats.org/drawingml/2006/table">
+            <a:tbl>
+              <a:tblPr firstRow="1" bandRow="1">
+                <a:tableStyleId>{5C22544A-7EE6-4342-B048-85BDC9FD1C3A}</a:tableStyleId>
+              </a:tblPr>
+              <a:tblGrid>
+                <a:gridCol w="3668131"/>
+                <a:gridCol w="2672236"/>
+                <a:gridCol w="3015343"/>
+                <a:gridCol w="2381717"/>
+              </a:tblGrid>
+              <a:tr h="606038">
+                <a:tc>
+                  <a:txBody>
+                    <a:bodyPr/>
+                    <a:lstStyle/>
+                    <a:p>
+                      <a:pPr algn="ctr"/>
+                      <a:r>
+                        <a:rPr lang="en-US" sz="2400" dirty="0" smtClean="0">
+                          <a:solidFill>
+                            <a:schemeClr val="accent4">
+                              <a:lumMod val="60000"/>
+                              <a:lumOff val="40000"/>
+                            </a:schemeClr>
+                          </a:solidFill>
+                        </a:rPr>
+                        <a:t>Assignment</a:t>
+                      </a:r>
+                      <a:r>
+                        <a:rPr lang="en-US" sz="2400" baseline="0" dirty="0" smtClean="0">
+                          <a:solidFill>
+                            <a:schemeClr val="accent4">
+                              <a:lumMod val="60000"/>
+                              <a:lumOff val="40000"/>
+                            </a:schemeClr>
+                          </a:solidFill>
+                        </a:rPr>
+                        <a:t> 1 - Students</a:t>
+                      </a:r>
+                      <a:endParaRPr lang="en-US" sz="2400" dirty="0">
+                        <a:solidFill>
+                          <a:schemeClr val="accent4">
+                            <a:lumMod val="60000"/>
+                            <a:lumOff val="40000"/>
+                          </a:schemeClr>
+                        </a:solidFill>
+                      </a:endParaRPr>
+                    </a:p>
+                  </a:txBody>
+                  <a:tcPr/>
+                </a:tc>
+                <a:tc>
+                  <a:txBody>
+                    <a:bodyPr/>
+                    <a:lstStyle/>
+                    <a:p>
+                      <a:pPr algn="ctr"/>
+                      <a:r>
+                        <a:rPr lang="en-US" sz="2400" dirty="0" smtClean="0">
+                          <a:solidFill>
+                            <a:schemeClr val="accent4">
+                              <a:lumMod val="60000"/>
+                              <a:lumOff val="40000"/>
+                            </a:schemeClr>
+                          </a:solidFill>
+                        </a:rPr>
+                        <a:t>Date Submitted</a:t>
+                      </a:r>
+                      <a:endParaRPr lang="en-US" sz="2400" dirty="0">
+                        <a:solidFill>
+                          <a:schemeClr val="accent4">
+                            <a:lumMod val="60000"/>
+                            <a:lumOff val="40000"/>
+                          </a:schemeClr>
+                        </a:solidFill>
+                      </a:endParaRPr>
+                    </a:p>
+                  </a:txBody>
+                  <a:tcPr/>
+                </a:tc>
+                <a:tc>
+                  <a:txBody>
+                    <a:bodyPr/>
+                    <a:lstStyle/>
+                    <a:p>
+                      <a:pPr algn="ctr"/>
+                      <a:r>
+                        <a:rPr lang="en-US" sz="2400" dirty="0" smtClean="0">
+                          <a:solidFill>
+                            <a:schemeClr val="accent4">
+                              <a:lumMod val="60000"/>
+                              <a:lumOff val="40000"/>
+                            </a:schemeClr>
+                          </a:solidFill>
+                        </a:rPr>
+                        <a:t>Comments</a:t>
+                      </a:r>
+                      <a:endParaRPr lang="en-US" sz="2400" dirty="0">
+                        <a:solidFill>
+                          <a:schemeClr val="accent4">
+                            <a:lumMod val="60000"/>
+                            <a:lumOff val="40000"/>
+                          </a:schemeClr>
+                        </a:solidFill>
+                      </a:endParaRPr>
+                    </a:p>
+                  </a:txBody>
+                  <a:tcPr/>
+                </a:tc>
+                <a:tc>
+                  <a:txBody>
+                    <a:bodyPr/>
+                    <a:lstStyle/>
+                    <a:p>
+                      <a:pPr algn="ctr"/>
+                      <a:r>
+                        <a:rPr lang="en-US" sz="2400" dirty="0" smtClean="0">
+                          <a:solidFill>
+                            <a:schemeClr val="accent4">
+                              <a:lumMod val="60000"/>
+                              <a:lumOff val="40000"/>
+                            </a:schemeClr>
+                          </a:solidFill>
+                        </a:rPr>
+                        <a:t>Grades</a:t>
+                      </a:r>
+                      <a:endParaRPr lang="en-US" sz="2400" dirty="0">
+                        <a:solidFill>
+                          <a:schemeClr val="accent4">
+                            <a:lumMod val="60000"/>
+                            <a:lumOff val="40000"/>
+                          </a:schemeClr>
+                        </a:solidFill>
+                      </a:endParaRPr>
+                    </a:p>
+                  </a:txBody>
+                  <a:tcPr/>
+                </a:tc>
               </a:tr>
               <a:tr h="606038">
                 <a:tc>
@@ -4536,6 +6545,34 @@
                       <a:r>
                         <a:rPr lang="en-US" baseline="0" dirty="0" smtClean="0"/>
                         <a:t>Student 1</a:t>
+                      </a:r>
+                      <a:endParaRPr lang="en-US" dirty="0" smtClean="0"/>
+                    </a:p>
+                  </a:txBody>
+                  <a:tcPr/>
+                </a:tc>
+                <a:tc>
+                  <a:txBody>
+                    <a:bodyPr/>
+                    <a:lstStyle/>
+                    <a:p>
+                      <a:r>
+                        <a:rPr lang="en-US" dirty="0" smtClean="0"/>
+                        <a:t>1/1/2015</a:t>
+                      </a:r>
+                      <a:endParaRPr lang="en-US" dirty="0" smtClean="0"/>
+                    </a:p>
+                  </a:txBody>
+                  <a:tcPr/>
+                </a:tc>
+                <a:tc>
+                  <a:txBody>
+                    <a:bodyPr/>
+                    <a:lstStyle/>
+                    <a:p>
+                      <a:r>
+                        <a:rPr lang="en-US" dirty="0" smtClean="0"/>
+                        <a:t>Eh.</a:t>
                       </a:r>
                       <a:endParaRPr lang="en-US" dirty="0" smtClean="0"/>
                     </a:p>
@@ -4583,6 +6620,34 @@
                     <a:p>
                       <a:r>
                         <a:rPr lang="en-US" dirty="0" smtClean="0"/>
+                        <a:t>12/31/2014</a:t>
+                      </a:r>
+                      <a:endParaRPr lang="en-US" dirty="0"/>
+                    </a:p>
+                  </a:txBody>
+                  <a:tcPr/>
+                </a:tc>
+                <a:tc>
+                  <a:txBody>
+                    <a:bodyPr/>
+                    <a:lstStyle/>
+                    <a:p>
+                      <a:r>
+                        <a:rPr lang="en-US" dirty="0" smtClean="0"/>
+                        <a:t>Submitted early</a:t>
+                      </a:r>
+                      <a:endParaRPr lang="en-US" dirty="0"/>
+                    </a:p>
+                  </a:txBody>
+                  <a:tcPr/>
+                </a:tc>
+                <a:tc>
+                  <a:txBody>
+                    <a:bodyPr/>
+                    <a:lstStyle/>
+                    <a:p>
+                      <a:r>
+                        <a:rPr lang="en-US" dirty="0" smtClean="0"/>
                         <a:t>100/100</a:t>
                       </a:r>
                       <a:endParaRPr lang="en-US" dirty="0"/>
@@ -4612,6 +6677,26 @@
                   </a:txBody>
                   <a:tcPr/>
                 </a:tc>
+                <a:tc>
+                  <a:txBody>
+                    <a:bodyPr/>
+                    <a:lstStyle/>
+                    <a:p>
+                      <a:endParaRPr lang="en-US"/>
+                    </a:p>
+                  </a:txBody>
+                  <a:tcPr/>
+                </a:tc>
+                <a:tc>
+                  <a:txBody>
+                    <a:bodyPr/>
+                    <a:lstStyle/>
+                    <a:p>
+                      <a:endParaRPr lang="en-US"/>
+                    </a:p>
+                  </a:txBody>
+                  <a:tcPr/>
+                </a:tc>
               </a:tr>
               <a:tr h="606038">
                 <a:tc>
@@ -4634,6 +6719,26 @@
                   </a:txBody>
                   <a:tcPr/>
                 </a:tc>
+                <a:tc>
+                  <a:txBody>
+                    <a:bodyPr/>
+                    <a:lstStyle/>
+                    <a:p>
+                      <a:endParaRPr lang="en-US"/>
+                    </a:p>
+                  </a:txBody>
+                  <a:tcPr/>
+                </a:tc>
+                <a:tc>
+                  <a:txBody>
+                    <a:bodyPr/>
+                    <a:lstStyle/>
+                    <a:p>
+                      <a:endParaRPr lang="en-US"/>
+                    </a:p>
+                  </a:txBody>
+                  <a:tcPr/>
+                </a:tc>
               </a:tr>
               <a:tr h="606038">
                 <a:tc>
@@ -4656,6 +6761,26 @@
                   </a:txBody>
                   <a:tcPr/>
                 </a:tc>
+                <a:tc>
+                  <a:txBody>
+                    <a:bodyPr/>
+                    <a:lstStyle/>
+                    <a:p>
+                      <a:endParaRPr lang="en-US"/>
+                    </a:p>
+                  </a:txBody>
+                  <a:tcPr/>
+                </a:tc>
+                <a:tc>
+                  <a:txBody>
+                    <a:bodyPr/>
+                    <a:lstStyle/>
+                    <a:p>
+                      <a:endParaRPr lang="en-US"/>
+                    </a:p>
+                  </a:txBody>
+                  <a:tcPr/>
+                </a:tc>
               </a:tr>
               <a:tr h="606038">
                 <a:tc>
@@ -4678,6 +6803,26 @@
                   </a:txBody>
                   <a:tcPr/>
                 </a:tc>
+                <a:tc>
+                  <a:txBody>
+                    <a:bodyPr/>
+                    <a:lstStyle/>
+                    <a:p>
+                      <a:endParaRPr lang="en-US"/>
+                    </a:p>
+                  </a:txBody>
+                  <a:tcPr/>
+                </a:tc>
+                <a:tc>
+                  <a:txBody>
+                    <a:bodyPr/>
+                    <a:lstStyle/>
+                    <a:p>
+                      <a:endParaRPr lang="en-US"/>
+                    </a:p>
+                  </a:txBody>
+                  <a:tcPr/>
+                </a:tc>
               </a:tr>
               <a:tr h="606038">
                 <a:tc>
@@ -4686,6 +6831,26 @@
                     <a:lstStyle/>
                     <a:p>
                       <a:endParaRPr lang="en-US"/>
+                    </a:p>
+                  </a:txBody>
+                  <a:tcPr/>
+                </a:tc>
+                <a:tc>
+                  <a:txBody>
+                    <a:bodyPr/>
+                    <a:lstStyle/>
+                    <a:p>
+                      <a:endParaRPr lang="en-US" dirty="0"/>
+                    </a:p>
+                  </a:txBody>
+                  <a:tcPr/>
+                </a:tc>
+                <a:tc>
+                  <a:txBody>
+                    <a:bodyPr/>
+                    <a:lstStyle/>
+                    <a:p>
+                      <a:endParaRPr lang="en-US" dirty="0"/>
                     </a:p>
                   </a:txBody>
                   <a:tcPr/>
@@ -4717,7 +6882,51 @@
         </p:nvSpPr>
         <p:spPr>
           <a:xfrm>
-            <a:off x="1923392" y="610939"/>
+            <a:off x="1466192" y="610938"/>
+            <a:ext cx="2049518" cy="461665"/>
+          </a:xfrm>
+          <a:prstGeom prst="rect">
+            <a:avLst/>
+          </a:prstGeom>
+          <a:noFill/>
+        </p:spPr>
+        <p:txBody>
+          <a:bodyPr wrap="square" rtlCol="0">
+            <a:spAutoFit/>
+          </a:bodyPr>
+          <a:lstStyle/>
+          <a:p>
+            <a:r>
+              <a:rPr lang="en-US" sz="2400" dirty="0" smtClean="0">
+                <a:solidFill>
+                  <a:schemeClr val="accent4">
+                    <a:lumMod val="60000"/>
+                    <a:lumOff val="40000"/>
+                  </a:schemeClr>
+                </a:solidFill>
+              </a:rPr>
+              <a:t>Assignments</a:t>
+            </a:r>
+            <a:endParaRPr lang="en-US" sz="2400" dirty="0">
+              <a:solidFill>
+                <a:schemeClr val="accent4">
+                  <a:lumMod val="60000"/>
+                  <a:lumOff val="40000"/>
+                </a:schemeClr>
+              </a:solidFill>
+            </a:endParaRPr>
+          </a:p>
+        </p:txBody>
+      </p:sp>
+      <p:sp>
+        <p:nvSpPr>
+          <p:cNvPr id="10" name="TextBox 9"/>
+          <p:cNvSpPr txBox="1"/>
+          <p:nvPr/>
+        </p:nvSpPr>
+        <p:spPr>
+          <a:xfrm>
+            <a:off x="3400094" y="610937"/>
             <a:ext cx="2049518" cy="461665"/>
           </a:xfrm>
           <a:prstGeom prst="rect">
@@ -5032,4 +7241,265 @@
     </a:ext>
   </a:extLst>
 </a:theme>
+</file>
+
+<file path=ppt/theme/theme2.xml><?xml version="1.0" encoding="utf-8"?>
+<a:theme xmlns:a="http://schemas.openxmlformats.org/drawingml/2006/main" name="Office Theme">
+  <a:themeElements>
+    <a:clrScheme name="Office">
+      <a:dk1>
+        <a:sysClr val="windowText" lastClr="000000"/>
+      </a:dk1>
+      <a:lt1>
+        <a:sysClr val="window" lastClr="FFFFFF"/>
+      </a:lt1>
+      <a:dk2>
+        <a:srgbClr val="44546A"/>
+      </a:dk2>
+      <a:lt2>
+        <a:srgbClr val="E7E6E6"/>
+      </a:lt2>
+      <a:accent1>
+        <a:srgbClr val="5B9BD5"/>
+      </a:accent1>
+      <a:accent2>
+        <a:srgbClr val="ED7D31"/>
+      </a:accent2>
+      <a:accent3>
+        <a:srgbClr val="A5A5A5"/>
+      </a:accent3>
+      <a:accent4>
+        <a:srgbClr val="FFC000"/>
+      </a:accent4>
+      <a:accent5>
+        <a:srgbClr val="4472C4"/>
+      </a:accent5>
+      <a:accent6>
+        <a:srgbClr val="70AD47"/>
+      </a:accent6>
+      <a:hlink>
+        <a:srgbClr val="0563C1"/>
+      </a:hlink>
+      <a:folHlink>
+        <a:srgbClr val="954F72"/>
+      </a:folHlink>
+    </a:clrScheme>
+    <a:fontScheme name="Office">
+      <a:majorFont>
+        <a:latin typeface="Calibri Light" panose="020F0302020204030204"/>
+        <a:ea typeface=""/>
+        <a:cs typeface=""/>
+        <a:font script="Jpan" typeface="ＭＳ Ｐゴシック"/>
+        <a:font script="Hang" typeface="맑은 고딕"/>
+        <a:font script="Hans" typeface="宋体"/>
+        <a:font script="Hant" typeface="新細明體"/>
+        <a:font script="Arab" typeface="Times New Roman"/>
+        <a:font script="Hebr" typeface="Times New Roman"/>
+        <a:font script="Thai" typeface="Angsana New"/>
+        <a:font script="Ethi" typeface="Nyala"/>
+        <a:font script="Beng" typeface="Vrinda"/>
+        <a:font script="Gujr" typeface="Shruti"/>
+        <a:font script="Khmr" typeface="MoolBoran"/>
+        <a:font script="Knda" typeface="Tunga"/>
+        <a:font script="Guru" typeface="Raavi"/>
+        <a:font script="Cans" typeface="Euphemia"/>
+        <a:font script="Cher" typeface="Plantagenet Cherokee"/>
+        <a:font script="Yiii" typeface="Microsoft Yi Baiti"/>
+        <a:font script="Tibt" typeface="Microsoft Himalaya"/>
+        <a:font script="Thaa" typeface="MV Boli"/>
+        <a:font script="Deva" typeface="Mangal"/>
+        <a:font script="Telu" typeface="Gautami"/>
+        <a:font script="Taml" typeface="Latha"/>
+        <a:font script="Syrc" typeface="Estrangelo Edessa"/>
+        <a:font script="Orya" typeface="Kalinga"/>
+        <a:font script="Mlym" typeface="Kartika"/>
+        <a:font script="Laoo" typeface="DokChampa"/>
+        <a:font script="Sinh" typeface="Iskoola Pota"/>
+        <a:font script="Mong" typeface="Mongolian Baiti"/>
+        <a:font script="Viet" typeface="Times New Roman"/>
+        <a:font script="Uigh" typeface="Microsoft Uighur"/>
+        <a:font script="Geor" typeface="Sylfaen"/>
+      </a:majorFont>
+      <a:minorFont>
+        <a:latin typeface="Calibri" panose="020F0502020204030204"/>
+        <a:ea typeface=""/>
+        <a:cs typeface=""/>
+        <a:font script="Jpan" typeface="ＭＳ Ｐゴシック"/>
+        <a:font script="Hang" typeface="맑은 고딕"/>
+        <a:font script="Hans" typeface="宋体"/>
+        <a:font script="Hant" typeface="新細明體"/>
+        <a:font script="Arab" typeface="Arial"/>
+        <a:font script="Hebr" typeface="Arial"/>
+        <a:font script="Thai" typeface="Cordia New"/>
+        <a:font script="Ethi" typeface="Nyala"/>
+        <a:font script="Beng" typeface="Vrinda"/>
+        <a:font script="Gujr" typeface="Shruti"/>
+        <a:font script="Khmr" typeface="DaunPenh"/>
+        <a:font script="Knda" typeface="Tunga"/>
+        <a:font script="Guru" typeface="Raavi"/>
+        <a:font script="Cans" typeface="Euphemia"/>
+        <a:font script="Cher" typeface="Plantagenet Cherokee"/>
+        <a:font script="Yiii" typeface="Microsoft Yi Baiti"/>
+        <a:font script="Tibt" typeface="Microsoft Himalaya"/>
+        <a:font script="Thaa" typeface="MV Boli"/>
+        <a:font script="Deva" typeface="Mangal"/>
+        <a:font script="Telu" typeface="Gautami"/>
+        <a:font script="Taml" typeface="Latha"/>
+        <a:font script="Syrc" typeface="Estrangelo Edessa"/>
+        <a:font script="Orya" typeface="Kalinga"/>
+        <a:font script="Mlym" typeface="Kartika"/>
+        <a:font script="Laoo" typeface="DokChampa"/>
+        <a:font script="Sinh" typeface="Iskoola Pota"/>
+        <a:font script="Mong" typeface="Mongolian Baiti"/>
+        <a:font script="Viet" typeface="Arial"/>
+        <a:font script="Uigh" typeface="Microsoft Uighur"/>
+        <a:font script="Geor" typeface="Sylfaen"/>
+      </a:minorFont>
+    </a:fontScheme>
+    <a:fmtScheme name="Office">
+      <a:fillStyleLst>
+        <a:solidFill>
+          <a:schemeClr val="phClr"/>
+        </a:solidFill>
+        <a:gradFill rotWithShape="1">
+          <a:gsLst>
+            <a:gs pos="0">
+              <a:schemeClr val="phClr">
+                <a:lumMod val="110000"/>
+                <a:satMod val="105000"/>
+                <a:tint val="67000"/>
+              </a:schemeClr>
+            </a:gs>
+            <a:gs pos="50000">
+              <a:schemeClr val="phClr">
+                <a:lumMod val="105000"/>
+                <a:satMod val="103000"/>
+                <a:tint val="73000"/>
+              </a:schemeClr>
+            </a:gs>
+            <a:gs pos="100000">
+              <a:schemeClr val="phClr">
+                <a:lumMod val="105000"/>
+                <a:satMod val="109000"/>
+                <a:tint val="81000"/>
+              </a:schemeClr>
+            </a:gs>
+          </a:gsLst>
+          <a:lin ang="5400000" scaled="0"/>
+        </a:gradFill>
+        <a:gradFill rotWithShape="1">
+          <a:gsLst>
+            <a:gs pos="0">
+              <a:schemeClr val="phClr">
+                <a:satMod val="103000"/>
+                <a:lumMod val="102000"/>
+                <a:tint val="94000"/>
+              </a:schemeClr>
+            </a:gs>
+            <a:gs pos="50000">
+              <a:schemeClr val="phClr">
+                <a:satMod val="110000"/>
+                <a:lumMod val="100000"/>
+                <a:shade val="100000"/>
+              </a:schemeClr>
+            </a:gs>
+            <a:gs pos="100000">
+              <a:schemeClr val="phClr">
+                <a:lumMod val="99000"/>
+                <a:satMod val="120000"/>
+                <a:shade val="78000"/>
+              </a:schemeClr>
+            </a:gs>
+          </a:gsLst>
+          <a:lin ang="5400000" scaled="0"/>
+        </a:gradFill>
+      </a:fillStyleLst>
+      <a:lnStyleLst>
+        <a:ln w="6350" cap="flat" cmpd="sng" algn="ctr">
+          <a:solidFill>
+            <a:schemeClr val="phClr"/>
+          </a:solidFill>
+          <a:prstDash val="solid"/>
+          <a:miter lim="800000"/>
+        </a:ln>
+        <a:ln w="12700" cap="flat" cmpd="sng" algn="ctr">
+          <a:solidFill>
+            <a:schemeClr val="phClr"/>
+          </a:solidFill>
+          <a:prstDash val="solid"/>
+          <a:miter lim="800000"/>
+        </a:ln>
+        <a:ln w="19050" cap="flat" cmpd="sng" algn="ctr">
+          <a:solidFill>
+            <a:schemeClr val="phClr"/>
+          </a:solidFill>
+          <a:prstDash val="solid"/>
+          <a:miter lim="800000"/>
+        </a:ln>
+      </a:lnStyleLst>
+      <a:effectStyleLst>
+        <a:effectStyle>
+          <a:effectLst/>
+        </a:effectStyle>
+        <a:effectStyle>
+          <a:effectLst/>
+        </a:effectStyle>
+        <a:effectStyle>
+          <a:effectLst>
+            <a:outerShdw blurRad="57150" dist="19050" dir="5400000" algn="ctr" rotWithShape="0">
+              <a:srgbClr val="000000">
+                <a:alpha val="63000"/>
+              </a:srgbClr>
+            </a:outerShdw>
+          </a:effectLst>
+        </a:effectStyle>
+      </a:effectStyleLst>
+      <a:bgFillStyleLst>
+        <a:solidFill>
+          <a:schemeClr val="phClr"/>
+        </a:solidFill>
+        <a:solidFill>
+          <a:schemeClr val="phClr">
+            <a:tint val="95000"/>
+            <a:satMod val="170000"/>
+          </a:schemeClr>
+        </a:solidFill>
+        <a:gradFill rotWithShape="1">
+          <a:gsLst>
+            <a:gs pos="0">
+              <a:schemeClr val="phClr">
+                <a:tint val="93000"/>
+                <a:satMod val="150000"/>
+                <a:shade val="98000"/>
+                <a:lumMod val="102000"/>
+              </a:schemeClr>
+            </a:gs>
+            <a:gs pos="50000">
+              <a:schemeClr val="phClr">
+                <a:tint val="98000"/>
+                <a:satMod val="130000"/>
+                <a:shade val="90000"/>
+                <a:lumMod val="103000"/>
+              </a:schemeClr>
+            </a:gs>
+            <a:gs pos="100000">
+              <a:schemeClr val="phClr">
+                <a:shade val="63000"/>
+                <a:satMod val="120000"/>
+              </a:schemeClr>
+            </a:gs>
+          </a:gsLst>
+          <a:lin ang="5400000" scaled="0"/>
+        </a:gradFill>
+      </a:bgFillStyleLst>
+    </a:fmtScheme>
+  </a:themeElements>
+  <a:objectDefaults/>
+  <a:extraClrSchemeLst/>
+  <a:extLst>
+    <a:ext uri="{05A4C25C-085E-4340-85A3-A5531E510DB2}">
+      <thm15:themeFamily xmlns:thm15="http://schemas.microsoft.com/office/thememl/2012/main" name="Office Theme" id="{62F939B6-93AF-4DB8-9C6B-D6C7DFDC589F}" vid="{4A3C46E8-61CC-4603-A589-7422A47A8E4A}"/>
+    </a:ext>
+  </a:extLst>
+</a:theme>
 </file>